--- a/carvana-image-masking-challenge/Slides.pptx
+++ b/carvana-image-masking-challenge/Slides.pptx
@@ -8,17 +8,16 @@
     <p:sldId id="257" r:id="rId2"/>
     <p:sldId id="256" r:id="rId3"/>
     <p:sldId id="260" r:id="rId4"/>
-    <p:sldId id="261" r:id="rId5"/>
-    <p:sldId id="258" r:id="rId6"/>
-    <p:sldId id="259" r:id="rId7"/>
-    <p:sldId id="262" r:id="rId8"/>
-    <p:sldId id="263" r:id="rId9"/>
-    <p:sldId id="266" r:id="rId10"/>
-    <p:sldId id="268" r:id="rId11"/>
-    <p:sldId id="264" r:id="rId12"/>
-    <p:sldId id="267" r:id="rId13"/>
-    <p:sldId id="265" r:id="rId14"/>
-    <p:sldId id="269" r:id="rId15"/>
+    <p:sldId id="270" r:id="rId5"/>
+    <p:sldId id="271" r:id="rId6"/>
+    <p:sldId id="258" r:id="rId7"/>
+    <p:sldId id="272" r:id="rId8"/>
+    <p:sldId id="268" r:id="rId9"/>
+    <p:sldId id="273" r:id="rId10"/>
+    <p:sldId id="274" r:id="rId11"/>
+    <p:sldId id="275" r:id="rId12"/>
+    <p:sldId id="276" r:id="rId13"/>
+    <p:sldId id="267" r:id="rId14"/>
   </p:sldIdLst>
   <p:sldSz cx="12192000" cy="6858000"/>
   <p:notesSz cx="6858000" cy="9144000"/>
@@ -274,7 +273,7 @@
           <a:p>
             <a:fld id="{7F82081E-7CFC-4A7F-8476-A985E55A3AB9}" type="datetimeFigureOut">
               <a:rPr lang="en-SG" smtClean="0"/>
-              <a:t>14/3/2021</a:t>
+              <a:t>16/3/2021</a:t>
             </a:fld>
             <a:endParaRPr lang="en-SG"/>
           </a:p>
@@ -474,7 +473,7 @@
           <a:p>
             <a:fld id="{7F82081E-7CFC-4A7F-8476-A985E55A3AB9}" type="datetimeFigureOut">
               <a:rPr lang="en-SG" smtClean="0"/>
-              <a:t>14/3/2021</a:t>
+              <a:t>16/3/2021</a:t>
             </a:fld>
             <a:endParaRPr lang="en-SG"/>
           </a:p>
@@ -684,7 +683,7 @@
           <a:p>
             <a:fld id="{7F82081E-7CFC-4A7F-8476-A985E55A3AB9}" type="datetimeFigureOut">
               <a:rPr lang="en-SG" smtClean="0"/>
-              <a:t>14/3/2021</a:t>
+              <a:t>16/3/2021</a:t>
             </a:fld>
             <a:endParaRPr lang="en-SG"/>
           </a:p>
@@ -884,7 +883,7 @@
           <a:p>
             <a:fld id="{7F82081E-7CFC-4A7F-8476-A985E55A3AB9}" type="datetimeFigureOut">
               <a:rPr lang="en-SG" smtClean="0"/>
-              <a:t>14/3/2021</a:t>
+              <a:t>16/3/2021</a:t>
             </a:fld>
             <a:endParaRPr lang="en-SG"/>
           </a:p>
@@ -1160,7 +1159,7 @@
           <a:p>
             <a:fld id="{7F82081E-7CFC-4A7F-8476-A985E55A3AB9}" type="datetimeFigureOut">
               <a:rPr lang="en-SG" smtClean="0"/>
-              <a:t>14/3/2021</a:t>
+              <a:t>16/3/2021</a:t>
             </a:fld>
             <a:endParaRPr lang="en-SG"/>
           </a:p>
@@ -1428,7 +1427,7 @@
           <a:p>
             <a:fld id="{7F82081E-7CFC-4A7F-8476-A985E55A3AB9}" type="datetimeFigureOut">
               <a:rPr lang="en-SG" smtClean="0"/>
-              <a:t>14/3/2021</a:t>
+              <a:t>16/3/2021</a:t>
             </a:fld>
             <a:endParaRPr lang="en-SG"/>
           </a:p>
@@ -1843,7 +1842,7 @@
           <a:p>
             <a:fld id="{7F82081E-7CFC-4A7F-8476-A985E55A3AB9}" type="datetimeFigureOut">
               <a:rPr lang="en-SG" smtClean="0"/>
-              <a:t>14/3/2021</a:t>
+              <a:t>16/3/2021</a:t>
             </a:fld>
             <a:endParaRPr lang="en-SG"/>
           </a:p>
@@ -1985,7 +1984,7 @@
           <a:p>
             <a:fld id="{7F82081E-7CFC-4A7F-8476-A985E55A3AB9}" type="datetimeFigureOut">
               <a:rPr lang="en-SG" smtClean="0"/>
-              <a:t>14/3/2021</a:t>
+              <a:t>16/3/2021</a:t>
             </a:fld>
             <a:endParaRPr lang="en-SG"/>
           </a:p>
@@ -2098,7 +2097,7 @@
           <a:p>
             <a:fld id="{7F82081E-7CFC-4A7F-8476-A985E55A3AB9}" type="datetimeFigureOut">
               <a:rPr lang="en-SG" smtClean="0"/>
-              <a:t>14/3/2021</a:t>
+              <a:t>16/3/2021</a:t>
             </a:fld>
             <a:endParaRPr lang="en-SG"/>
           </a:p>
@@ -2411,7 +2410,7 @@
           <a:p>
             <a:fld id="{7F82081E-7CFC-4A7F-8476-A985E55A3AB9}" type="datetimeFigureOut">
               <a:rPr lang="en-SG" smtClean="0"/>
-              <a:t>14/3/2021</a:t>
+              <a:t>16/3/2021</a:t>
             </a:fld>
             <a:endParaRPr lang="en-SG"/>
           </a:p>
@@ -2700,7 +2699,7 @@
           <a:p>
             <a:fld id="{7F82081E-7CFC-4A7F-8476-A985E55A3AB9}" type="datetimeFigureOut">
               <a:rPr lang="en-SG" smtClean="0"/>
-              <a:t>14/3/2021</a:t>
+              <a:t>16/3/2021</a:t>
             </a:fld>
             <a:endParaRPr lang="en-SG"/>
           </a:p>
@@ -2943,7 +2942,7 @@
           <a:p>
             <a:fld id="{7F82081E-7CFC-4A7F-8476-A985E55A3AB9}" type="datetimeFigureOut">
               <a:rPr lang="en-SG" smtClean="0"/>
-              <a:t>14/3/2021</a:t>
+              <a:t>16/3/2021</a:t>
             </a:fld>
             <a:endParaRPr lang="en-SG"/>
           </a:p>
@@ -3431,12 +3430,59 @@
             <a:pPr algn="r"/>
             <a:r>
               <a:rPr lang="en-US" sz="900" dirty="0"/>
-              <a:t>https://www.forbes.com/sites/mattperez/2020/02/27/china-removed-epidemic-themed-game-plague-inc-from-the-china-app-store</a:t>
+              <a:t>https://www.kaggle.com/c/carvana-image-masking-challenge/overview</a:t>
             </a:r>
             <a:endParaRPr lang="en-SG" sz="900" dirty="0"/>
           </a:p>
         </p:txBody>
       </p:sp>
+      <p:pic>
+        <p:nvPicPr>
+          <p:cNvPr id="1026" name="Picture 2">
+            <a:extLst>
+              <a:ext uri="{FF2B5EF4-FFF2-40B4-BE49-F238E27FC236}">
+                <a16:creationId xmlns:a16="http://schemas.microsoft.com/office/drawing/2014/main" id="{37431F8D-C48C-463C-9E65-6FAC3C0D8A09}"/>
+              </a:ext>
+            </a:extLst>
+          </p:cNvPr>
+          <p:cNvPicPr>
+            <a:picLocks noChangeAspect="1" noChangeArrowheads="1"/>
+          </p:cNvPicPr>
+          <p:nvPr/>
+        </p:nvPicPr>
+        <p:blipFill>
+          <a:blip r:embed="rId2">
+            <a:extLst>
+              <a:ext uri="{28A0092B-C50C-407E-A947-70E740481C1C}">
+                <a14:useLocalDpi xmlns:a14="http://schemas.microsoft.com/office/drawing/2010/main" val="0"/>
+              </a:ext>
+            </a:extLst>
+          </a:blip>
+          <a:srcRect/>
+          <a:stretch>
+            <a:fillRect/>
+          </a:stretch>
+        </p:blipFill>
+        <p:spPr bwMode="auto">
+          <a:xfrm>
+            <a:off x="208922" y="1933074"/>
+            <a:ext cx="11774156" cy="2576262"/>
+          </a:xfrm>
+          <a:prstGeom prst="rect">
+            <a:avLst/>
+          </a:prstGeom>
+          <a:noFill/>
+          <a:extLst>
+            <a:ext uri="{909E8E84-426E-40DD-AFC4-6F175D3DCCD1}">
+              <a14:hiddenFill xmlns:a14="http://schemas.microsoft.com/office/drawing/2010/main">
+                <a:solidFill>
+                  <a:srgbClr val="FFFFFF"/>
+                </a:solidFill>
+              </a14:hiddenFill>
+            </a:ext>
+          </a:extLst>
+        </p:spPr>
+      </p:pic>
     </p:spTree>
     <p:extLst>
       <p:ext uri="{BB962C8B-B14F-4D97-AF65-F5344CB8AC3E}">
@@ -3573,345 +3619,7 @@
                   </a:solidFill>
                   <a:latin typeface="Trebuchet MS" panose="020B0603020202020204" pitchFamily="34" charset="0"/>
                 </a:rPr>
-                <a:t>Model Comparison – COVID </a:t>
-              </a:r>
-            </a:p>
-            <a:p>
-              <a:endParaRPr lang="en-US" sz="4400" dirty="0">
-                <a:solidFill>
-                  <a:schemeClr val="bg1"/>
-                </a:solidFill>
-                <a:latin typeface="Trebuchet MS" panose="020B0603020202020204" pitchFamily="34" charset="0"/>
-              </a:endParaRPr>
-            </a:p>
-          </p:txBody>
-        </p:sp>
-      </p:grpSp>
-      <p:pic>
-        <p:nvPicPr>
-          <p:cNvPr id="1029" name="Picture 5">
-            <a:extLst>
-              <a:ext uri="{FF2B5EF4-FFF2-40B4-BE49-F238E27FC236}">
-                <a16:creationId xmlns:a16="http://schemas.microsoft.com/office/drawing/2014/main" id="{5C97ED14-6072-41A9-9E04-DA140FFA9313}"/>
-              </a:ext>
-            </a:extLst>
-          </p:cNvPr>
-          <p:cNvPicPr>
-            <a:picLocks noChangeAspect="1" noChangeArrowheads="1"/>
-          </p:cNvPicPr>
-          <p:nvPr/>
-        </p:nvPicPr>
-        <p:blipFill>
-          <a:blip r:embed="rId2">
-            <a:extLst>
-              <a:ext uri="{28A0092B-C50C-407E-A947-70E740481C1C}">
-                <a14:useLocalDpi xmlns:a14="http://schemas.microsoft.com/office/drawing/2010/main" val="0"/>
-              </a:ext>
-            </a:extLst>
-          </a:blip>
-          <a:srcRect/>
-          <a:stretch>
-            <a:fillRect/>
-          </a:stretch>
-        </p:blipFill>
-        <p:spPr bwMode="auto">
-          <a:xfrm>
-            <a:off x="6501156" y="0"/>
-            <a:ext cx="5513938" cy="2971271"/>
-          </a:xfrm>
-          <a:prstGeom prst="rect">
-            <a:avLst/>
-          </a:prstGeom>
-          <a:noFill/>
-          <a:extLst>
-            <a:ext uri="{909E8E84-426E-40DD-AFC4-6F175D3DCCD1}">
-              <a14:hiddenFill xmlns:a14="http://schemas.microsoft.com/office/drawing/2010/main">
-                <a:solidFill>
-                  <a:srgbClr val="FFFFFF"/>
-                </a:solidFill>
-              </a14:hiddenFill>
-            </a:ext>
-          </a:extLst>
-        </p:spPr>
-      </p:pic>
-      <p:pic>
-        <p:nvPicPr>
-          <p:cNvPr id="1031" name="Picture 7">
-            <a:extLst>
-              <a:ext uri="{FF2B5EF4-FFF2-40B4-BE49-F238E27FC236}">
-                <a16:creationId xmlns:a16="http://schemas.microsoft.com/office/drawing/2014/main" id="{11B55B12-6B67-478A-B6B0-6D994A05E174}"/>
-              </a:ext>
-            </a:extLst>
-          </p:cNvPr>
-          <p:cNvPicPr>
-            <a:picLocks noChangeAspect="1" noChangeArrowheads="1"/>
-          </p:cNvPicPr>
-          <p:nvPr/>
-        </p:nvPicPr>
-        <p:blipFill>
-          <a:blip r:embed="rId3">
-            <a:extLst>
-              <a:ext uri="{28A0092B-C50C-407E-A947-70E740481C1C}">
-                <a14:useLocalDpi xmlns:a14="http://schemas.microsoft.com/office/drawing/2010/main" val="0"/>
-              </a:ext>
-            </a:extLst>
-          </a:blip>
-          <a:srcRect/>
-          <a:stretch>
-            <a:fillRect/>
-          </a:stretch>
-        </p:blipFill>
-        <p:spPr bwMode="auto">
-          <a:xfrm>
-            <a:off x="6501156" y="2971271"/>
-            <a:ext cx="5513938" cy="2971271"/>
-          </a:xfrm>
-          <a:prstGeom prst="rect">
-            <a:avLst/>
-          </a:prstGeom>
-          <a:noFill/>
-          <a:extLst>
-            <a:ext uri="{909E8E84-426E-40DD-AFC4-6F175D3DCCD1}">
-              <a14:hiddenFill xmlns:a14="http://schemas.microsoft.com/office/drawing/2010/main">
-                <a:solidFill>
-                  <a:srgbClr val="FFFFFF"/>
-                </a:solidFill>
-              </a14:hiddenFill>
-            </a:ext>
-          </a:extLst>
-        </p:spPr>
-      </p:pic>
-      <p:pic>
-        <p:nvPicPr>
-          <p:cNvPr id="1033" name="Picture 9">
-            <a:extLst>
-              <a:ext uri="{FF2B5EF4-FFF2-40B4-BE49-F238E27FC236}">
-                <a16:creationId xmlns:a16="http://schemas.microsoft.com/office/drawing/2014/main" id="{2945D4FF-665B-45F9-A1F8-7DFC85B29D42}"/>
-              </a:ext>
-            </a:extLst>
-          </p:cNvPr>
-          <p:cNvPicPr>
-            <a:picLocks noChangeAspect="1" noChangeArrowheads="1"/>
-          </p:cNvPicPr>
-          <p:nvPr/>
-        </p:nvPicPr>
-        <p:blipFill>
-          <a:blip r:embed="rId4">
-            <a:extLst>
-              <a:ext uri="{28A0092B-C50C-407E-A947-70E740481C1C}">
-                <a14:useLocalDpi xmlns:a14="http://schemas.microsoft.com/office/drawing/2010/main" val="0"/>
-              </a:ext>
-            </a:extLst>
-          </a:blip>
-          <a:srcRect/>
-          <a:stretch>
-            <a:fillRect/>
-          </a:stretch>
-        </p:blipFill>
-        <p:spPr bwMode="auto">
-          <a:xfrm>
-            <a:off x="0" y="-1"/>
-            <a:ext cx="5490770" cy="2971271"/>
-          </a:xfrm>
-          <a:prstGeom prst="rect">
-            <a:avLst/>
-          </a:prstGeom>
-          <a:noFill/>
-          <a:extLst>
-            <a:ext uri="{909E8E84-426E-40DD-AFC4-6F175D3DCCD1}">
-              <a14:hiddenFill xmlns:a14="http://schemas.microsoft.com/office/drawing/2010/main">
-                <a:solidFill>
-                  <a:srgbClr val="FFFFFF"/>
-                </a:solidFill>
-              </a14:hiddenFill>
-            </a:ext>
-          </a:extLst>
-        </p:spPr>
-      </p:pic>
-      <p:pic>
-        <p:nvPicPr>
-          <p:cNvPr id="1035" name="Picture 11">
-            <a:extLst>
-              <a:ext uri="{FF2B5EF4-FFF2-40B4-BE49-F238E27FC236}">
-                <a16:creationId xmlns:a16="http://schemas.microsoft.com/office/drawing/2014/main" id="{4D1B415B-69E2-4DCB-BB2C-346DA908E8CE}"/>
-              </a:ext>
-            </a:extLst>
-          </p:cNvPr>
-          <p:cNvPicPr>
-            <a:picLocks noChangeAspect="1" noChangeArrowheads="1"/>
-          </p:cNvPicPr>
-          <p:nvPr/>
-        </p:nvPicPr>
-        <p:blipFill>
-          <a:blip r:embed="rId5">
-            <a:extLst>
-              <a:ext uri="{28A0092B-C50C-407E-A947-70E740481C1C}">
-                <a14:useLocalDpi xmlns:a14="http://schemas.microsoft.com/office/drawing/2010/main" val="0"/>
-              </a:ext>
-            </a:extLst>
-          </a:blip>
-          <a:srcRect/>
-          <a:stretch>
-            <a:fillRect/>
-          </a:stretch>
-        </p:blipFill>
-        <p:spPr bwMode="auto">
-          <a:xfrm>
-            <a:off x="0" y="2971270"/>
-            <a:ext cx="5513938" cy="2971271"/>
-          </a:xfrm>
-          <a:prstGeom prst="rect">
-            <a:avLst/>
-          </a:prstGeom>
-          <a:noFill/>
-          <a:extLst>
-            <a:ext uri="{909E8E84-426E-40DD-AFC4-6F175D3DCCD1}">
-              <a14:hiddenFill xmlns:a14="http://schemas.microsoft.com/office/drawing/2010/main">
-                <a:solidFill>
-                  <a:srgbClr val="FFFFFF"/>
-                </a:solidFill>
-              </a14:hiddenFill>
-            </a:ext>
-          </a:extLst>
-        </p:spPr>
-      </p:pic>
-    </p:spTree>
-    <p:extLst>
-      <p:ext uri="{BB962C8B-B14F-4D97-AF65-F5344CB8AC3E}">
-        <p14:creationId xmlns:p14="http://schemas.microsoft.com/office/powerpoint/2010/main" val="1543398352"/>
-      </p:ext>
-    </p:extLst>
-  </p:cSld>
-  <p:clrMapOvr>
-    <a:masterClrMapping/>
-  </p:clrMapOvr>
-</p:sld>
-</file>
-
-<file path=ppt/slides/slide11.xml><?xml version="1.0" encoding="utf-8"?>
-<p:sld xmlns:a="http://schemas.openxmlformats.org/drawingml/2006/main" xmlns:r="http://schemas.openxmlformats.org/officeDocument/2006/relationships" xmlns:p="http://schemas.openxmlformats.org/presentationml/2006/main">
-  <p:cSld>
-    <p:spTree>
-      <p:nvGrpSpPr>
-        <p:cNvPr id="1" name=""/>
-        <p:cNvGrpSpPr/>
-        <p:nvPr/>
-      </p:nvGrpSpPr>
-      <p:grpSpPr>
-        <a:xfrm>
-          <a:off x="0" y="0"/>
-          <a:ext cx="0" cy="0"/>
-          <a:chOff x="0" y="0"/>
-          <a:chExt cx="0" cy="0"/>
-        </a:xfrm>
-      </p:grpSpPr>
-      <p:grpSp>
-        <p:nvGrpSpPr>
-          <p:cNvPr id="5" name="Group 4">
-            <a:extLst>
-              <a:ext uri="{FF2B5EF4-FFF2-40B4-BE49-F238E27FC236}">
-                <a16:creationId xmlns:a16="http://schemas.microsoft.com/office/drawing/2014/main" id="{85DF0F99-B6D3-41BD-B2F8-E7DDB3DA33EE}"/>
-              </a:ext>
-            </a:extLst>
-          </p:cNvPr>
-          <p:cNvGrpSpPr/>
-          <p:nvPr/>
-        </p:nvGrpSpPr>
-        <p:grpSpPr>
-          <a:xfrm>
-            <a:off x="-184558" y="5754848"/>
-            <a:ext cx="10763075" cy="1446550"/>
-            <a:chOff x="-184558" y="5754848"/>
-            <a:chExt cx="10763075" cy="1446550"/>
-          </a:xfrm>
-        </p:grpSpPr>
-        <p:sp>
-          <p:nvSpPr>
-            <p:cNvPr id="6" name="Rectangle: Rounded Corners 5">
-              <a:extLst>
-                <a:ext uri="{FF2B5EF4-FFF2-40B4-BE49-F238E27FC236}">
-                  <a16:creationId xmlns:a16="http://schemas.microsoft.com/office/drawing/2014/main" id="{D774C259-7130-4F13-9426-46A2BFB09766}"/>
-                </a:ext>
-              </a:extLst>
-            </p:cNvPr>
-            <p:cNvSpPr/>
-            <p:nvPr/>
-          </p:nvSpPr>
-          <p:spPr>
-            <a:xfrm>
-              <a:off x="-184558" y="5754848"/>
-              <a:ext cx="10763075" cy="1191236"/>
-            </a:xfrm>
-            <a:prstGeom prst="roundRect">
-              <a:avLst/>
-            </a:prstGeom>
-            <a:solidFill>
-              <a:schemeClr val="accent1">
-                <a:lumMod val="75000"/>
-              </a:schemeClr>
-            </a:solidFill>
-          </p:spPr>
-          <p:style>
-            <a:lnRef idx="2">
-              <a:schemeClr val="accent1">
-                <a:shade val="50000"/>
-              </a:schemeClr>
-            </a:lnRef>
-            <a:fillRef idx="1">
-              <a:schemeClr val="accent1"/>
-            </a:fillRef>
-            <a:effectRef idx="0">
-              <a:schemeClr val="accent1"/>
-            </a:effectRef>
-            <a:fontRef idx="minor">
-              <a:schemeClr val="lt1"/>
-            </a:fontRef>
-          </p:style>
-          <p:txBody>
-            <a:bodyPr rtlCol="0" anchor="ctr"/>
-            <a:lstStyle/>
-            <a:p>
-              <a:pPr algn="ctr"/>
-              <a:endParaRPr lang="en-SG"/>
-            </a:p>
-          </p:txBody>
-        </p:sp>
-        <p:sp>
-          <p:nvSpPr>
-            <p:cNvPr id="7" name="TextBox 6">
-              <a:extLst>
-                <a:ext uri="{FF2B5EF4-FFF2-40B4-BE49-F238E27FC236}">
-                  <a16:creationId xmlns:a16="http://schemas.microsoft.com/office/drawing/2014/main" id="{0E346DCA-86F8-4009-A47D-457AB47EC234}"/>
-                </a:ext>
-              </a:extLst>
-            </p:cNvPr>
-            <p:cNvSpPr txBox="1"/>
-            <p:nvPr/>
-          </p:nvSpPr>
-          <p:spPr>
-            <a:xfrm>
-              <a:off x="323850" y="5754848"/>
-              <a:ext cx="8934275" cy="1446550"/>
-            </a:xfrm>
-            <a:prstGeom prst="rect">
-              <a:avLst/>
-            </a:prstGeom>
-            <a:noFill/>
-          </p:spPr>
-          <p:txBody>
-            <a:bodyPr wrap="square" rtlCol="0">
-              <a:spAutoFit/>
-            </a:bodyPr>
-            <a:lstStyle/>
-            <a:p>
-              <a:r>
-                <a:rPr lang="en-US" sz="4400" dirty="0">
-                  <a:solidFill>
-                    <a:schemeClr val="bg1"/>
-                  </a:solidFill>
-                  <a:latin typeface="Trebuchet MS" panose="020B0603020202020204" pitchFamily="34" charset="0"/>
-                </a:rPr>
-                <a:t>Model Comparison – COVID </a:t>
+                <a:t>Model Training History -20 Epochs</a:t>
               </a:r>
             </a:p>
             <a:p>
@@ -3930,7 +3638,7 @@
           <p:cNvPr id="3" name="Picture 2">
             <a:extLst>
               <a:ext uri="{FF2B5EF4-FFF2-40B4-BE49-F238E27FC236}">
-                <a16:creationId xmlns:a16="http://schemas.microsoft.com/office/drawing/2014/main" id="{85E89C4D-0B86-4D56-96E1-1E33FF01B186}"/>
+                <a16:creationId xmlns:a16="http://schemas.microsoft.com/office/drawing/2014/main" id="{0E273A74-D1B3-443D-ACA3-ED494ADCB05C}"/>
               </a:ext>
             </a:extLst>
           </p:cNvPr>
@@ -3939,15 +3647,130 @@
           </p:cNvPicPr>
           <p:nvPr/>
         </p:nvPicPr>
-        <p:blipFill rotWithShape="1">
-          <a:blip r:embed="rId2"/>
-          <a:srcRect t="17238" r="24322"/>
-          <a:stretch/>
+        <p:blipFill>
+          <a:blip r:embed="rId2">
+            <a:extLst>
+              <a:ext uri="{28A0092B-C50C-407E-A947-70E740481C1C}">
+                <a14:useLocalDpi xmlns:a14="http://schemas.microsoft.com/office/drawing/2010/main" val="0"/>
+              </a:ext>
+            </a:extLst>
+          </a:blip>
+          <a:stretch>
+            <a:fillRect/>
+          </a:stretch>
         </p:blipFill>
         <p:spPr>
           <a:xfrm>
-            <a:off x="260434" y="1581150"/>
-            <a:ext cx="11671131" cy="3062287"/>
+            <a:off x="1296057" y="125663"/>
+            <a:ext cx="4023215" cy="2682143"/>
+          </a:xfrm>
+          <a:prstGeom prst="rect">
+            <a:avLst/>
+          </a:prstGeom>
+        </p:spPr>
+      </p:pic>
+      <p:pic>
+        <p:nvPicPr>
+          <p:cNvPr id="10" name="Picture 9">
+            <a:extLst>
+              <a:ext uri="{FF2B5EF4-FFF2-40B4-BE49-F238E27FC236}">
+                <a16:creationId xmlns:a16="http://schemas.microsoft.com/office/drawing/2014/main" id="{CFECBDFC-2ADF-4B8A-B604-F08BDDF3B266}"/>
+              </a:ext>
+            </a:extLst>
+          </p:cNvPr>
+          <p:cNvPicPr>
+            <a:picLocks noChangeAspect="1"/>
+          </p:cNvPicPr>
+          <p:nvPr/>
+        </p:nvPicPr>
+        <p:blipFill>
+          <a:blip r:embed="rId3">
+            <a:extLst>
+              <a:ext uri="{28A0092B-C50C-407E-A947-70E740481C1C}">
+                <a14:useLocalDpi xmlns:a14="http://schemas.microsoft.com/office/drawing/2010/main" val="0"/>
+              </a:ext>
+            </a:extLst>
+          </a:blip>
+          <a:stretch>
+            <a:fillRect/>
+          </a:stretch>
+        </p:blipFill>
+        <p:spPr>
+          <a:xfrm>
+            <a:off x="1296058" y="2807806"/>
+            <a:ext cx="4023214" cy="2682143"/>
+          </a:xfrm>
+          <a:prstGeom prst="rect">
+            <a:avLst/>
+          </a:prstGeom>
+        </p:spPr>
+      </p:pic>
+      <p:pic>
+        <p:nvPicPr>
+          <p:cNvPr id="13" name="Picture 12">
+            <a:extLst>
+              <a:ext uri="{FF2B5EF4-FFF2-40B4-BE49-F238E27FC236}">
+                <a16:creationId xmlns:a16="http://schemas.microsoft.com/office/drawing/2014/main" id="{EEE58948-34CE-456C-AEBD-19538E860D1D}"/>
+              </a:ext>
+            </a:extLst>
+          </p:cNvPr>
+          <p:cNvPicPr>
+            <a:picLocks noChangeAspect="1"/>
+          </p:cNvPicPr>
+          <p:nvPr/>
+        </p:nvPicPr>
+        <p:blipFill>
+          <a:blip r:embed="rId4">
+            <a:extLst>
+              <a:ext uri="{28A0092B-C50C-407E-A947-70E740481C1C}">
+                <a14:useLocalDpi xmlns:a14="http://schemas.microsoft.com/office/drawing/2010/main" val="0"/>
+              </a:ext>
+            </a:extLst>
+          </a:blip>
+          <a:stretch>
+            <a:fillRect/>
+          </a:stretch>
+        </p:blipFill>
+        <p:spPr>
+          <a:xfrm>
+            <a:off x="7210926" y="0"/>
+            <a:ext cx="4023216" cy="2684941"/>
+          </a:xfrm>
+          <a:prstGeom prst="rect">
+            <a:avLst/>
+          </a:prstGeom>
+        </p:spPr>
+      </p:pic>
+      <p:pic>
+        <p:nvPicPr>
+          <p:cNvPr id="14" name="Picture 13">
+            <a:extLst>
+              <a:ext uri="{FF2B5EF4-FFF2-40B4-BE49-F238E27FC236}">
+                <a16:creationId xmlns:a16="http://schemas.microsoft.com/office/drawing/2014/main" id="{2D8CE4D4-0B9C-4516-A6F5-D8FB6C365C3A}"/>
+              </a:ext>
+            </a:extLst>
+          </p:cNvPr>
+          <p:cNvPicPr>
+            <a:picLocks noChangeAspect="1"/>
+          </p:cNvPicPr>
+          <p:nvPr/>
+        </p:nvPicPr>
+        <p:blipFill>
+          <a:blip r:embed="rId5">
+            <a:extLst>
+              <a:ext uri="{28A0092B-C50C-407E-A947-70E740481C1C}">
+                <a14:useLocalDpi xmlns:a14="http://schemas.microsoft.com/office/drawing/2010/main" val="0"/>
+              </a:ext>
+            </a:extLst>
+          </a:blip>
+          <a:stretch>
+            <a:fillRect/>
+          </a:stretch>
+        </p:blipFill>
+        <p:spPr>
+          <a:xfrm>
+            <a:off x="7210926" y="2937457"/>
+            <a:ext cx="4023216" cy="2684941"/>
           </a:xfrm>
           <a:prstGeom prst="rect">
             <a:avLst/>
@@ -3957,7 +3780,7 @@
     </p:spTree>
     <p:extLst>
       <p:ext uri="{BB962C8B-B14F-4D97-AF65-F5344CB8AC3E}">
-        <p14:creationId xmlns:p14="http://schemas.microsoft.com/office/powerpoint/2010/main" val="192074918"/>
+        <p14:creationId xmlns:p14="http://schemas.microsoft.com/office/powerpoint/2010/main" val="240631018"/>
       </p:ext>
     </p:extLst>
   </p:cSld>
@@ -3967,7 +3790,7 @@
 </p:sld>
 </file>
 
-<file path=ppt/slides/slide12.xml><?xml version="1.0" encoding="utf-8"?>
+<file path=ppt/slides/slide11.xml><?xml version="1.0" encoding="utf-8"?>
 <p:sld xmlns:a="http://schemas.openxmlformats.org/drawingml/2006/main" xmlns:r="http://schemas.openxmlformats.org/officeDocument/2006/relationships" xmlns:p="http://schemas.openxmlformats.org/presentationml/2006/main">
   <p:cSld>
     <p:spTree>
@@ -4107,7 +3930,7 @@
     </p:spTree>
     <p:extLst>
       <p:ext uri="{BB962C8B-B14F-4D97-AF65-F5344CB8AC3E}">
-        <p14:creationId xmlns:p14="http://schemas.microsoft.com/office/powerpoint/2010/main" val="2160445923"/>
+        <p14:creationId xmlns:p14="http://schemas.microsoft.com/office/powerpoint/2010/main" val="3500293994"/>
       </p:ext>
     </p:extLst>
   </p:cSld>
@@ -4117,7 +3940,7 @@
 </p:sld>
 </file>
 
-<file path=ppt/slides/slide13.xml><?xml version="1.0" encoding="utf-8"?>
+<file path=ppt/slides/slide12.xml><?xml version="1.0" encoding="utf-8"?>
 <p:sld xmlns:a="http://schemas.openxmlformats.org/drawingml/2006/main" xmlns:r="http://schemas.openxmlformats.org/officeDocument/2006/relationships" xmlns:p="http://schemas.openxmlformats.org/presentationml/2006/main">
   <p:cSld>
     <p:spTree>
@@ -4240,8 +4063,23 @@
                   </a:solidFill>
                   <a:latin typeface="Trebuchet MS" panose="020B0603020202020204" pitchFamily="34" charset="0"/>
                 </a:rPr>
-                <a:t>CUDA</a:t>
+                <a:t>R-</a:t>
               </a:r>
+              <a:r>
+                <a:rPr lang="en-US" sz="4400" dirty="0" err="1">
+                  <a:solidFill>
+                    <a:schemeClr val="bg1"/>
+                  </a:solidFill>
+                  <a:latin typeface="Trebuchet MS" panose="020B0603020202020204" pitchFamily="34" charset="0"/>
+                </a:rPr>
+                <a:t>CNNet</a:t>
+              </a:r>
+              <a:endParaRPr lang="en-US" sz="4400" dirty="0">
+                <a:solidFill>
+                  <a:schemeClr val="bg1"/>
+                </a:solidFill>
+                <a:latin typeface="Trebuchet MS" panose="020B0603020202020204" pitchFamily="34" charset="0"/>
+              </a:endParaRPr>
             </a:p>
             <a:p>
               <a:endParaRPr lang="en-US" sz="4400" dirty="0">
@@ -4254,320 +4092,10 @@
           </p:txBody>
         </p:sp>
       </p:grpSp>
-      <p:sp>
-        <p:nvSpPr>
-          <p:cNvPr id="2" name="TextBox 1">
-            <a:extLst>
-              <a:ext uri="{FF2B5EF4-FFF2-40B4-BE49-F238E27FC236}">
-                <a16:creationId xmlns:a16="http://schemas.microsoft.com/office/drawing/2014/main" id="{E3D2943C-E4FA-4984-A5B8-6F5D8282328B}"/>
-              </a:ext>
-            </a:extLst>
-          </p:cNvPr>
-          <p:cNvSpPr txBox="1"/>
-          <p:nvPr/>
-        </p:nvSpPr>
-        <p:spPr>
-          <a:xfrm>
-            <a:off x="323850" y="4326637"/>
-            <a:ext cx="4722211" cy="1200329"/>
-          </a:xfrm>
-          <a:prstGeom prst="rect">
-            <a:avLst/>
-          </a:prstGeom>
-          <a:noFill/>
-        </p:spPr>
-        <p:txBody>
-          <a:bodyPr wrap="square" rtlCol="0">
-            <a:spAutoFit/>
-          </a:bodyPr>
-          <a:lstStyle/>
-          <a:p>
-            <a:endParaRPr lang="en-US" dirty="0"/>
-          </a:p>
-          <a:p>
-            <a:r>
-              <a:rPr lang="en-US" dirty="0"/>
-              <a:t>Chip: GP104</a:t>
-            </a:r>
-          </a:p>
-          <a:p>
-            <a:r>
-              <a:rPr lang="en-SG" dirty="0"/>
-              <a:t>CUDA Cores: 2432</a:t>
-            </a:r>
-          </a:p>
-          <a:p>
-            <a:r>
-              <a:rPr lang="en-SG" dirty="0"/>
-              <a:t>RAM: 8 GB GDDR5</a:t>
-            </a:r>
-          </a:p>
-        </p:txBody>
-      </p:sp>
-      <p:pic>
-        <p:nvPicPr>
-          <p:cNvPr id="11" name="Picture 10">
-            <a:extLst>
-              <a:ext uri="{FF2B5EF4-FFF2-40B4-BE49-F238E27FC236}">
-                <a16:creationId xmlns:a16="http://schemas.microsoft.com/office/drawing/2014/main" id="{5203BB2F-B767-4064-A4D3-629F0A0461D0}"/>
-              </a:ext>
-            </a:extLst>
-          </p:cNvPr>
-          <p:cNvPicPr>
-            <a:picLocks noChangeAspect="1"/>
-          </p:cNvPicPr>
-          <p:nvPr/>
-        </p:nvPicPr>
-        <p:blipFill>
-          <a:blip r:embed="rId2"/>
-          <a:stretch>
-            <a:fillRect/>
-          </a:stretch>
-        </p:blipFill>
-        <p:spPr>
-          <a:xfrm>
-            <a:off x="7776" y="0"/>
-            <a:ext cx="5394844" cy="3038475"/>
-          </a:xfrm>
-          <a:prstGeom prst="rect">
-            <a:avLst/>
-          </a:prstGeom>
-        </p:spPr>
-      </p:pic>
-      <p:pic>
-        <p:nvPicPr>
-          <p:cNvPr id="9218" name="Picture 2" descr="VR Ready">
-            <a:extLst>
-              <a:ext uri="{FF2B5EF4-FFF2-40B4-BE49-F238E27FC236}">
-                <a16:creationId xmlns:a16="http://schemas.microsoft.com/office/drawing/2014/main" id="{36DC91F9-142D-4FB0-A017-6F09F498A3C7}"/>
-              </a:ext>
-            </a:extLst>
-          </p:cNvPr>
-          <p:cNvPicPr>
-            <a:picLocks noChangeAspect="1" noChangeArrowheads="1"/>
-          </p:cNvPicPr>
-          <p:nvPr/>
-        </p:nvPicPr>
-        <p:blipFill>
-          <a:blip r:embed="rId3">
-            <a:extLst>
-              <a:ext uri="{28A0092B-C50C-407E-A947-70E740481C1C}">
-                <a14:useLocalDpi xmlns:a14="http://schemas.microsoft.com/office/drawing/2010/main" val="0"/>
-              </a:ext>
-            </a:extLst>
-          </a:blip>
-          <a:srcRect/>
-          <a:stretch>
-            <a:fillRect/>
-          </a:stretch>
-        </p:blipFill>
-        <p:spPr bwMode="auto">
-          <a:xfrm>
-            <a:off x="0" y="2997333"/>
-            <a:ext cx="2382472" cy="1191236"/>
-          </a:xfrm>
-          <a:prstGeom prst="rect">
-            <a:avLst/>
-          </a:prstGeom>
-          <a:noFill/>
-          <a:extLst>
-            <a:ext uri="{909E8E84-426E-40DD-AFC4-6F175D3DCCD1}">
-              <a14:hiddenFill xmlns:a14="http://schemas.microsoft.com/office/drawing/2010/main">
-                <a:solidFill>
-                  <a:srgbClr val="FFFFFF"/>
-                </a:solidFill>
-              </a14:hiddenFill>
-            </a:ext>
-          </a:extLst>
-        </p:spPr>
-      </p:pic>
-      <p:sp>
-        <p:nvSpPr>
-          <p:cNvPr id="12" name="TextBox 11">
-            <a:extLst>
-              <a:ext uri="{FF2B5EF4-FFF2-40B4-BE49-F238E27FC236}">
-                <a16:creationId xmlns:a16="http://schemas.microsoft.com/office/drawing/2014/main" id="{2D78BC11-79EA-4273-90B8-BC961C2BB093}"/>
-              </a:ext>
-            </a:extLst>
-          </p:cNvPr>
-          <p:cNvSpPr txBox="1"/>
-          <p:nvPr/>
-        </p:nvSpPr>
-        <p:spPr>
-          <a:xfrm>
-            <a:off x="7067550" y="-32386"/>
-            <a:ext cx="5124451" cy="230832"/>
-          </a:xfrm>
-          <a:prstGeom prst="rect">
-            <a:avLst/>
-          </a:prstGeom>
-          <a:noFill/>
-        </p:spPr>
-        <p:txBody>
-          <a:bodyPr wrap="square" rtlCol="0">
-            <a:spAutoFit/>
-          </a:bodyPr>
-          <a:lstStyle/>
-          <a:p>
-            <a:pPr algn="r"/>
-            <a:r>
-              <a:rPr lang="en-US" sz="900" dirty="0"/>
-              <a:t>Source: https://www.nvidia.com/en-sg/geforce/products/10series/geforce-gtx-1070-ti/</a:t>
-            </a:r>
-            <a:endParaRPr lang="en-SG" sz="900" dirty="0"/>
-          </a:p>
-        </p:txBody>
-      </p:sp>
-      <p:sp>
-        <p:nvSpPr>
-          <p:cNvPr id="14" name="TextBox 13">
-            <a:extLst>
-              <a:ext uri="{FF2B5EF4-FFF2-40B4-BE49-F238E27FC236}">
-                <a16:creationId xmlns:a16="http://schemas.microsoft.com/office/drawing/2014/main" id="{39E4C3AF-38F6-4413-A0EF-B41C62AD85FE}"/>
-              </a:ext>
-            </a:extLst>
-          </p:cNvPr>
-          <p:cNvSpPr txBox="1"/>
-          <p:nvPr/>
-        </p:nvSpPr>
-        <p:spPr>
-          <a:xfrm>
-            <a:off x="5835068" y="2083214"/>
-            <a:ext cx="4743449" cy="3416320"/>
-          </a:xfrm>
-          <a:prstGeom prst="rect">
-            <a:avLst/>
-          </a:prstGeom>
-          <a:noFill/>
-        </p:spPr>
-        <p:txBody>
-          <a:bodyPr wrap="square" rtlCol="0">
-            <a:spAutoFit/>
-          </a:bodyPr>
-          <a:lstStyle/>
-          <a:p>
-            <a:r>
-              <a:rPr lang="en-US" i="1" dirty="0"/>
-              <a:t>Other than TensorFlow, many other DL frameworks rely on CUDA for their GPU support:</a:t>
-            </a:r>
-          </a:p>
-          <a:p>
-            <a:r>
-              <a:rPr lang="en-US" i="1" dirty="0"/>
-              <a:t> </a:t>
-            </a:r>
-          </a:p>
-          <a:p>
-            <a:r>
-              <a:rPr lang="en-US" dirty="0"/>
-              <a:t>Caffe2</a:t>
-            </a:r>
-          </a:p>
-          <a:p>
-            <a:r>
-              <a:rPr lang="en-US" dirty="0"/>
-              <a:t>CNTK</a:t>
-            </a:r>
-          </a:p>
-          <a:p>
-            <a:r>
-              <a:rPr lang="en-US" dirty="0"/>
-              <a:t>Databricks</a:t>
-            </a:r>
-          </a:p>
-          <a:p>
-            <a:r>
-              <a:rPr lang="en-US" dirty="0"/>
-              <a:t>H2O.ai</a:t>
-            </a:r>
-          </a:p>
-          <a:p>
-            <a:r>
-              <a:rPr lang="en-US" dirty="0" err="1"/>
-              <a:t>Keras</a:t>
-            </a:r>
-            <a:endParaRPr lang="en-US" dirty="0"/>
-          </a:p>
-          <a:p>
-            <a:r>
-              <a:rPr lang="en-US" dirty="0" err="1"/>
-              <a:t>MXNet</a:t>
-            </a:r>
-            <a:endParaRPr lang="en-US" dirty="0"/>
-          </a:p>
-          <a:p>
-            <a:r>
-              <a:rPr lang="en-US" dirty="0" err="1"/>
-              <a:t>PyTorch</a:t>
-            </a:r>
-            <a:endParaRPr lang="en-US" dirty="0"/>
-          </a:p>
-          <a:p>
-            <a:r>
-              <a:rPr lang="en-US" dirty="0"/>
-              <a:t>Theano</a:t>
-            </a:r>
-          </a:p>
-          <a:p>
-            <a:r>
-              <a:rPr lang="en-US" dirty="0"/>
-              <a:t>Torch</a:t>
-            </a:r>
-            <a:endParaRPr lang="en-SG" dirty="0"/>
-          </a:p>
-        </p:txBody>
-      </p:sp>
-      <p:pic>
-        <p:nvPicPr>
-          <p:cNvPr id="9220" name="Picture 4" descr="cuda deep learning libraries">
-            <a:extLst>
-              <a:ext uri="{FF2B5EF4-FFF2-40B4-BE49-F238E27FC236}">
-                <a16:creationId xmlns:a16="http://schemas.microsoft.com/office/drawing/2014/main" id="{C4834A64-CCB4-455A-B9AA-C9658FFBFB9F}"/>
-              </a:ext>
-            </a:extLst>
-          </p:cNvPr>
-          <p:cNvPicPr>
-            <a:picLocks noChangeAspect="1" noChangeArrowheads="1"/>
-          </p:cNvPicPr>
-          <p:nvPr/>
-        </p:nvPicPr>
-        <p:blipFill>
-          <a:blip r:embed="rId4">
-            <a:extLst>
-              <a:ext uri="{28A0092B-C50C-407E-A947-70E740481C1C}">
-                <a14:useLocalDpi xmlns:a14="http://schemas.microsoft.com/office/drawing/2010/main" val="0"/>
-              </a:ext>
-            </a:extLst>
-          </a:blip>
-          <a:srcRect/>
-          <a:stretch>
-            <a:fillRect/>
-          </a:stretch>
-        </p:blipFill>
-        <p:spPr bwMode="auto">
-          <a:xfrm>
-            <a:off x="5535774" y="294947"/>
-            <a:ext cx="6648450" cy="1657350"/>
-          </a:xfrm>
-          <a:prstGeom prst="rect">
-            <a:avLst/>
-          </a:prstGeom>
-          <a:noFill/>
-          <a:extLst>
-            <a:ext uri="{909E8E84-426E-40DD-AFC4-6F175D3DCCD1}">
-              <a14:hiddenFill xmlns:a14="http://schemas.microsoft.com/office/drawing/2010/main">
-                <a:solidFill>
-                  <a:srgbClr val="FFFFFF"/>
-                </a:solidFill>
-              </a14:hiddenFill>
-            </a:ext>
-          </a:extLst>
-        </p:spPr>
-      </p:pic>
     </p:spTree>
     <p:extLst>
       <p:ext uri="{BB962C8B-B14F-4D97-AF65-F5344CB8AC3E}">
-        <p14:creationId xmlns:p14="http://schemas.microsoft.com/office/powerpoint/2010/main" val="1151644683"/>
+        <p14:creationId xmlns:p14="http://schemas.microsoft.com/office/powerpoint/2010/main" val="566348578"/>
       </p:ext>
     </p:extLst>
   </p:cSld>
@@ -4577,7 +4105,7 @@
 </p:sld>
 </file>
 
-<file path=ppt/slides/slide14.xml><?xml version="1.0" encoding="utf-8"?>
+<file path=ppt/slides/slide13.xml><?xml version="1.0" encoding="utf-8"?>
 <p:sld xmlns:a="http://schemas.openxmlformats.org/drawingml/2006/main" xmlns:r="http://schemas.openxmlformats.org/officeDocument/2006/relationships" xmlns:p="http://schemas.openxmlformats.org/presentationml/2006/main">
   <p:cSld>
     <p:spTree>
@@ -4609,9 +4137,9 @@
         <p:grpSpPr>
           <a:xfrm>
             <a:off x="-184558" y="5754848"/>
-            <a:ext cx="10763075" cy="1446550"/>
+            <a:ext cx="10763075" cy="1191236"/>
             <a:chOff x="-184558" y="5754848"/>
-            <a:chExt cx="10763075" cy="1446550"/>
+            <a:chExt cx="10763075" cy="1191236"/>
           </a:xfrm>
         </p:grpSpPr>
         <p:sp>
@@ -4680,7 +4208,7 @@
           <p:spPr>
             <a:xfrm>
               <a:off x="323850" y="5754848"/>
-              <a:ext cx="8934275" cy="1446550"/>
+              <a:ext cx="8934275" cy="769441"/>
             </a:xfrm>
             <a:prstGeom prst="rect">
               <a:avLst/>
@@ -4700,182 +4228,16 @@
                   </a:solidFill>
                   <a:latin typeface="Trebuchet MS" panose="020B0603020202020204" pitchFamily="34" charset="0"/>
                 </a:rPr>
-                <a:t>Transfer Learning</a:t>
+                <a:t>U Net</a:t>
               </a:r>
-            </a:p>
-            <a:p>
-              <a:endParaRPr lang="en-US" sz="4400" dirty="0">
-                <a:solidFill>
-                  <a:schemeClr val="bg1"/>
-                </a:solidFill>
-                <a:latin typeface="Trebuchet MS" panose="020B0603020202020204" pitchFamily="34" charset="0"/>
-              </a:endParaRPr>
             </a:p>
           </p:txBody>
         </p:sp>
       </p:grpSp>
-      <p:sp>
-        <p:nvSpPr>
-          <p:cNvPr id="12" name="TextBox 11">
-            <a:extLst>
-              <a:ext uri="{FF2B5EF4-FFF2-40B4-BE49-F238E27FC236}">
-                <a16:creationId xmlns:a16="http://schemas.microsoft.com/office/drawing/2014/main" id="{2D78BC11-79EA-4273-90B8-BC961C2BB093}"/>
-              </a:ext>
-            </a:extLst>
-          </p:cNvPr>
-          <p:cNvSpPr txBox="1"/>
-          <p:nvPr/>
-        </p:nvSpPr>
-        <p:spPr>
-          <a:xfrm>
-            <a:off x="7067550" y="-32386"/>
-            <a:ext cx="5124451" cy="230832"/>
-          </a:xfrm>
-          <a:prstGeom prst="rect">
-            <a:avLst/>
-          </a:prstGeom>
-          <a:noFill/>
-        </p:spPr>
-        <p:txBody>
-          <a:bodyPr wrap="square" rtlCol="0">
-            <a:spAutoFit/>
-          </a:bodyPr>
-          <a:lstStyle/>
-          <a:p>
-            <a:pPr algn="r"/>
-            <a:r>
-              <a:rPr lang="en-US" sz="900" dirty="0"/>
-              <a:t>Source: https://towardsdatascience.com/transfer-learning-from-pre-trained-models-f2393f124751</a:t>
-            </a:r>
-            <a:endParaRPr lang="en-SG" sz="900" dirty="0"/>
-          </a:p>
-        </p:txBody>
-      </p:sp>
-      <p:pic>
-        <p:nvPicPr>
-          <p:cNvPr id="2050" name="Picture 2" descr="Image for post">
-            <a:extLst>
-              <a:ext uri="{FF2B5EF4-FFF2-40B4-BE49-F238E27FC236}">
-                <a16:creationId xmlns:a16="http://schemas.microsoft.com/office/drawing/2014/main" id="{A3451F7C-D26D-4A69-B1A6-1596CBCF0FBC}"/>
-              </a:ext>
-            </a:extLst>
-          </p:cNvPr>
-          <p:cNvPicPr>
-            <a:picLocks noChangeAspect="1" noChangeArrowheads="1"/>
-          </p:cNvPicPr>
-          <p:nvPr/>
-        </p:nvPicPr>
-        <p:blipFill>
-          <a:blip r:embed="rId2">
-            <a:extLst>
-              <a:ext uri="{28A0092B-C50C-407E-A947-70E740481C1C}">
-                <a14:useLocalDpi xmlns:a14="http://schemas.microsoft.com/office/drawing/2010/main" val="0"/>
-              </a:ext>
-            </a:extLst>
-          </a:blip>
-          <a:srcRect/>
-          <a:stretch>
-            <a:fillRect/>
-          </a:stretch>
-        </p:blipFill>
-        <p:spPr bwMode="auto">
-          <a:xfrm>
-            <a:off x="0" y="0"/>
-            <a:ext cx="6688822" cy="3762952"/>
-          </a:xfrm>
-          <a:prstGeom prst="rect">
-            <a:avLst/>
-          </a:prstGeom>
-          <a:noFill/>
-          <a:extLst>
-            <a:ext uri="{909E8E84-426E-40DD-AFC4-6F175D3DCCD1}">
-              <a14:hiddenFill xmlns:a14="http://schemas.microsoft.com/office/drawing/2010/main">
-                <a:solidFill>
-                  <a:srgbClr val="FFFFFF"/>
-                </a:solidFill>
-              </a14:hiddenFill>
-            </a:ext>
-          </a:extLst>
-        </p:spPr>
-      </p:pic>
-      <p:sp>
-        <p:nvSpPr>
-          <p:cNvPr id="3" name="TextBox 2">
-            <a:extLst>
-              <a:ext uri="{FF2B5EF4-FFF2-40B4-BE49-F238E27FC236}">
-                <a16:creationId xmlns:a16="http://schemas.microsoft.com/office/drawing/2014/main" id="{1CDEE87F-EBAC-480A-9103-807DEF8F64DF}"/>
-              </a:ext>
-            </a:extLst>
-          </p:cNvPr>
-          <p:cNvSpPr txBox="1"/>
-          <p:nvPr/>
-        </p:nvSpPr>
-        <p:spPr>
-          <a:xfrm>
-            <a:off x="5637402" y="198446"/>
-            <a:ext cx="6459348" cy="4401205"/>
-          </a:xfrm>
-          <a:prstGeom prst="rect">
-            <a:avLst/>
-          </a:prstGeom>
-          <a:noFill/>
-        </p:spPr>
-        <p:txBody>
-          <a:bodyPr wrap="square" rtlCol="0">
-            <a:spAutoFit/>
-          </a:bodyPr>
-          <a:lstStyle/>
-          <a:p>
-            <a:pPr marL="571500" indent="-571500">
-              <a:buFont typeface="Arial" panose="020B0604020202020204" pitchFamily="34" charset="0"/>
-              <a:buChar char="•"/>
-            </a:pPr>
-            <a:r>
-              <a:rPr lang="en-US" sz="4000" dirty="0"/>
-              <a:t>Select a pre-trained model</a:t>
-            </a:r>
-          </a:p>
-          <a:p>
-            <a:pPr marL="571500" indent="-571500">
-              <a:buFont typeface="Arial" panose="020B0604020202020204" pitchFamily="34" charset="0"/>
-              <a:buChar char="•"/>
-            </a:pPr>
-            <a:endParaRPr lang="en-US" sz="4000" dirty="0"/>
-          </a:p>
-          <a:p>
-            <a:pPr marL="571500" indent="-571500">
-              <a:buFont typeface="Arial" panose="020B0604020202020204" pitchFamily="34" charset="0"/>
-              <a:buChar char="•"/>
-            </a:pPr>
-            <a:r>
-              <a:rPr lang="en-US" sz="4000" dirty="0"/>
-              <a:t>Classify your problem according to the Size-Similarity Matrix</a:t>
-            </a:r>
-          </a:p>
-          <a:p>
-            <a:pPr marL="571500" indent="-571500">
-              <a:buFont typeface="Arial" panose="020B0604020202020204" pitchFamily="34" charset="0"/>
-              <a:buChar char="•"/>
-            </a:pPr>
-            <a:endParaRPr lang="en-US" sz="4000" dirty="0"/>
-          </a:p>
-          <a:p>
-            <a:pPr marL="571500" indent="-571500">
-              <a:buFont typeface="Arial" panose="020B0604020202020204" pitchFamily="34" charset="0"/>
-              <a:buChar char="•"/>
-            </a:pPr>
-            <a:r>
-              <a:rPr lang="en-US" sz="4000" dirty="0"/>
-              <a:t>Fine-tune your model</a:t>
-            </a:r>
-            <a:endParaRPr lang="en-SG" sz="4000" dirty="0"/>
-          </a:p>
-        </p:txBody>
-      </p:sp>
     </p:spTree>
     <p:extLst>
       <p:ext uri="{BB962C8B-B14F-4D97-AF65-F5344CB8AC3E}">
-        <p14:creationId xmlns:p14="http://schemas.microsoft.com/office/powerpoint/2010/main" val="1191835419"/>
+        <p14:creationId xmlns:p14="http://schemas.microsoft.com/office/powerpoint/2010/main" val="2160445923"/>
       </p:ext>
     </p:extLst>
   </p:cSld>
@@ -5035,7 +4397,7 @@
         <p:spPr>
           <a:xfrm>
             <a:off x="771525" y="1123950"/>
-            <a:ext cx="10763074" cy="2554545"/>
+            <a:ext cx="10763074" cy="3170099"/>
           </a:xfrm>
           <a:prstGeom prst="rect">
             <a:avLst/>
@@ -5050,7 +4412,7 @@
           <a:p>
             <a:r>
               <a:rPr lang="en-US" sz="4000" dirty="0"/>
-              <a:t>To be able to classify patients with Pneumonia through a Chest X-Ray:</a:t>
+              <a:t>Train a mask model which can isolate images of cars from their background</a:t>
             </a:r>
           </a:p>
           <a:p>
@@ -5059,7 +4421,7 @@
           <a:p>
             <a:r>
               <a:rPr lang="en-US" sz="4000" dirty="0"/>
-              <a:t>using a CNN architecture</a:t>
+              <a:t>Achieve a high DICE score for the trained mask CNN model</a:t>
             </a:r>
             <a:endParaRPr lang="en-SG" sz="4000" dirty="0"/>
           </a:p>
@@ -5201,12 +4563,146 @@
                   </a:solidFill>
                   <a:latin typeface="Trebuchet MS" panose="020B0603020202020204" pitchFamily="34" charset="0"/>
                 </a:rPr>
-                <a:t>EDA on BIMCV-COVID-19 Dataset</a:t>
+                <a:t>EDA on Car, Mask datasets</a:t>
               </a:r>
             </a:p>
           </p:txBody>
         </p:sp>
       </p:grpSp>
+      <p:graphicFrame>
+        <p:nvGraphicFramePr>
+          <p:cNvPr id="2" name="Object 1">
+            <a:extLst>
+              <a:ext uri="{FF2B5EF4-FFF2-40B4-BE49-F238E27FC236}">
+                <a16:creationId xmlns:a16="http://schemas.microsoft.com/office/drawing/2014/main" id="{5CE6E28C-815D-4BCA-A822-642AABA19B06}"/>
+              </a:ext>
+            </a:extLst>
+          </p:cNvPr>
+          <p:cNvGraphicFramePr>
+            <a:graphicFrameLocks noChangeAspect="1"/>
+          </p:cNvGraphicFramePr>
+          <p:nvPr>
+            <p:extLst>
+              <p:ext uri="{D42A27DB-BD31-4B8C-83A1-F6EECF244321}">
+                <p14:modId xmlns:p14="http://schemas.microsoft.com/office/powerpoint/2010/main" val="3256841701"/>
+              </p:ext>
+            </p:extLst>
+          </p:nvPr>
+        </p:nvGraphicFramePr>
+        <p:xfrm>
+          <a:off x="2591801" y="333711"/>
+          <a:ext cx="1731545" cy="5159536"/>
+        </p:xfrm>
+        <a:graphic>
+          <a:graphicData uri="http://schemas.openxmlformats.org/presentationml/2006/ole">
+            <mc:AlternateContent xmlns:mc="http://schemas.openxmlformats.org/markup-compatibility/2006">
+              <mc:Choice xmlns:v="urn:schemas-microsoft-com:vml" Requires="v">
+                <p:oleObj name="Worksheet" r:id="rId2" imgW="1409865" imgH="4200405" progId="Excel.Sheet.12">
+                  <p:embed/>
+                </p:oleObj>
+              </mc:Choice>
+              <mc:Fallback>
+                <p:oleObj name="Worksheet" r:id="rId2" imgW="1409865" imgH="4200405" progId="Excel.Sheet.12">
+                  <p:embed/>
+                  <p:pic>
+                    <p:nvPicPr>
+                      <p:cNvPr id="0" name=""/>
+                      <p:cNvPicPr/>
+                      <p:nvPr/>
+                    </p:nvPicPr>
+                    <p:blipFill>
+                      <a:blip r:embed="rId3"/>
+                      <a:stretch>
+                        <a:fillRect/>
+                      </a:stretch>
+                    </p:blipFill>
+                    <p:spPr>
+                      <a:xfrm>
+                        <a:off x="2591801" y="333711"/>
+                        <a:ext cx="1731545" cy="5159536"/>
+                      </a:xfrm>
+                      <a:prstGeom prst="rect">
+                        <a:avLst/>
+                      </a:prstGeom>
+                    </p:spPr>
+                  </p:pic>
+                </p:oleObj>
+              </mc:Fallback>
+            </mc:AlternateContent>
+          </a:graphicData>
+        </a:graphic>
+      </p:graphicFrame>
+      <p:sp>
+        <p:nvSpPr>
+          <p:cNvPr id="6" name="TextBox 5">
+            <a:extLst>
+              <a:ext uri="{FF2B5EF4-FFF2-40B4-BE49-F238E27FC236}">
+                <a16:creationId xmlns:a16="http://schemas.microsoft.com/office/drawing/2014/main" id="{04E59D85-5AC5-476F-9DC2-98C628E4539D}"/>
+              </a:ext>
+            </a:extLst>
+          </p:cNvPr>
+          <p:cNvSpPr txBox="1"/>
+          <p:nvPr/>
+        </p:nvSpPr>
+        <p:spPr>
+          <a:xfrm>
+            <a:off x="5447799" y="712876"/>
+            <a:ext cx="5910012" cy="4401205"/>
+          </a:xfrm>
+          <a:prstGeom prst="rect">
+            <a:avLst/>
+          </a:prstGeom>
+          <a:noFill/>
+        </p:spPr>
+        <p:txBody>
+          <a:bodyPr wrap="square" rtlCol="0">
+            <a:spAutoFit/>
+          </a:bodyPr>
+          <a:lstStyle/>
+          <a:p>
+            <a:r>
+              <a:rPr lang="en-US" sz="4000" dirty="0">
+                <a:solidFill>
+                  <a:srgbClr val="FF0000"/>
+                </a:solidFill>
+              </a:rPr>
+              <a:t>Car model identifier</a:t>
+            </a:r>
+          </a:p>
+          <a:p>
+            <a:endParaRPr lang="en-US" sz="4000" dirty="0"/>
+          </a:p>
+          <a:p>
+            <a:r>
+              <a:rPr lang="en-US" sz="4000" dirty="0">
+                <a:solidFill>
+                  <a:schemeClr val="accent1"/>
+                </a:solidFill>
+              </a:rPr>
+              <a:t>Rotation Index – for segmentation</a:t>
+            </a:r>
+          </a:p>
+          <a:p>
+            <a:endParaRPr lang="en-US" sz="4000" dirty="0">
+              <a:solidFill>
+                <a:schemeClr val="accent1"/>
+              </a:solidFill>
+            </a:endParaRPr>
+          </a:p>
+          <a:p>
+            <a:r>
+              <a:rPr lang="en-US" sz="4000" dirty="0"/>
+              <a:t>318 Models on the train set</a:t>
+            </a:r>
+          </a:p>
+          <a:p>
+            <a:r>
+              <a:rPr lang="en-US" sz="4000" dirty="0"/>
+              <a:t>6254 models on the test</a:t>
+            </a:r>
+          </a:p>
+        </p:txBody>
+      </p:sp>
     </p:spTree>
     <p:extLst>
       <p:ext uri="{BB962C8B-B14F-4D97-AF65-F5344CB8AC3E}">
@@ -5239,10 +4735,10 @@
       </p:grpSpPr>
       <p:grpSp>
         <p:nvGrpSpPr>
-          <p:cNvPr id="6" name="Group 5">
-            <a:extLst>
-              <a:ext uri="{FF2B5EF4-FFF2-40B4-BE49-F238E27FC236}">
-                <a16:creationId xmlns:a16="http://schemas.microsoft.com/office/drawing/2014/main" id="{2D3E37A6-056E-413C-B7A4-40E356752DBD}"/>
+          <p:cNvPr id="8" name="Group 7">
+            <a:extLst>
+              <a:ext uri="{FF2B5EF4-FFF2-40B4-BE49-F238E27FC236}">
+                <a16:creationId xmlns:a16="http://schemas.microsoft.com/office/drawing/2014/main" id="{86A4E73C-38FF-464A-B5AE-8B933F243E7F}"/>
               </a:ext>
             </a:extLst>
           </p:cNvPr>
@@ -5259,10 +4755,10 @@
         </p:grpSpPr>
         <p:sp>
           <p:nvSpPr>
-            <p:cNvPr id="7" name="Rectangle: Rounded Corners 6">
+            <p:cNvPr id="9" name="Rectangle: Rounded Corners 8">
               <a:extLst>
                 <a:ext uri="{FF2B5EF4-FFF2-40B4-BE49-F238E27FC236}">
-                  <a16:creationId xmlns:a16="http://schemas.microsoft.com/office/drawing/2014/main" id="{B491844D-7165-47C3-8978-97985FE3E651}"/>
+                  <a16:creationId xmlns:a16="http://schemas.microsoft.com/office/drawing/2014/main" id="{592FC620-7E85-4590-B3AB-8BD028B120F9}"/>
                 </a:ext>
               </a:extLst>
             </p:cNvPr>
@@ -5310,10 +4806,10 @@
         </p:sp>
         <p:sp>
           <p:nvSpPr>
-            <p:cNvPr id="8" name="TextBox 7">
+            <p:cNvPr id="10" name="TextBox 9">
               <a:extLst>
                 <a:ext uri="{FF2B5EF4-FFF2-40B4-BE49-F238E27FC236}">
-                  <a16:creationId xmlns:a16="http://schemas.microsoft.com/office/drawing/2014/main" id="{090BFC09-7C35-4D3F-9CBF-4123E2868B77}"/>
+                  <a16:creationId xmlns:a16="http://schemas.microsoft.com/office/drawing/2014/main" id="{E24809D9-B894-4D7F-9F95-DCF37E2744AF}"/>
                 </a:ext>
               </a:extLst>
             </p:cNvPr>
@@ -5343,72 +4839,18 @@
                   </a:solidFill>
                   <a:latin typeface="Trebuchet MS" panose="020B0603020202020204" pitchFamily="34" charset="0"/>
                 </a:rPr>
-                <a:t>Pre-processing</a:t>
+                <a:t>EDA 0cdf5b5d0ce1, Index 1 </a:t>
               </a:r>
             </a:p>
           </p:txBody>
         </p:sp>
       </p:grpSp>
-      <p:sp>
-        <p:nvSpPr>
-          <p:cNvPr id="10" name="TextBox 9">
-            <a:extLst>
-              <a:ext uri="{FF2B5EF4-FFF2-40B4-BE49-F238E27FC236}">
-                <a16:creationId xmlns:a16="http://schemas.microsoft.com/office/drawing/2014/main" id="{A4EAF69B-67D4-41CE-A90E-41B9FAE28B5E}"/>
-              </a:ext>
-            </a:extLst>
-          </p:cNvPr>
-          <p:cNvSpPr txBox="1"/>
-          <p:nvPr/>
-        </p:nvSpPr>
-        <p:spPr>
-          <a:xfrm>
-            <a:off x="4986337" y="504825"/>
-            <a:ext cx="7110413" cy="3785652"/>
-          </a:xfrm>
-          <a:prstGeom prst="rect">
-            <a:avLst/>
-          </a:prstGeom>
-          <a:noFill/>
-        </p:spPr>
-        <p:txBody>
-          <a:bodyPr wrap="square" rtlCol="0">
-            <a:spAutoFit/>
-          </a:bodyPr>
-          <a:lstStyle/>
-          <a:p>
-            <a:r>
-              <a:rPr lang="en-US" sz="4000" dirty="0"/>
-              <a:t>Resizing to 524 x 524</a:t>
-            </a:r>
-          </a:p>
-          <a:p>
-            <a:endParaRPr lang="en-US" sz="4000" dirty="0"/>
-          </a:p>
-          <a:p>
-            <a:r>
-              <a:rPr lang="en-US" sz="4000" dirty="0"/>
-              <a:t>Rotation of Images</a:t>
-            </a:r>
-          </a:p>
-          <a:p>
-            <a:endParaRPr lang="en-US" sz="4000" dirty="0"/>
-          </a:p>
-          <a:p>
-            <a:r>
-              <a:rPr lang="en-US" sz="4000" dirty="0"/>
-              <a:t>Dropping of blurry or otherwise invalid images</a:t>
-            </a:r>
-            <a:endParaRPr lang="en-SG" sz="4000" dirty="0"/>
-          </a:p>
-        </p:txBody>
-      </p:sp>
       <p:pic>
         <p:nvPicPr>
-          <p:cNvPr id="12" name="Picture 11">
-            <a:extLst>
-              <a:ext uri="{FF2B5EF4-FFF2-40B4-BE49-F238E27FC236}">
-                <a16:creationId xmlns:a16="http://schemas.microsoft.com/office/drawing/2014/main" id="{839274DA-4474-4DAD-BA12-E21B2474DFC2}"/>
+          <p:cNvPr id="4" name="Picture 3">
+            <a:extLst>
+              <a:ext uri="{FF2B5EF4-FFF2-40B4-BE49-F238E27FC236}">
+                <a16:creationId xmlns:a16="http://schemas.microsoft.com/office/drawing/2014/main" id="{9A578EA5-7348-4A08-9FF5-EAC1D4F867B4}"/>
               </a:ext>
             </a:extLst>
           </p:cNvPr>
@@ -5431,55 +4873,54 @@
         </p:blipFill>
         <p:spPr>
           <a:xfrm>
-            <a:off x="0" y="32282"/>
-            <a:ext cx="4610100" cy="4762500"/>
+            <a:off x="869627" y="1507959"/>
+            <a:ext cx="4672921" cy="3118529"/>
           </a:xfrm>
           <a:prstGeom prst="rect">
             <a:avLst/>
           </a:prstGeom>
         </p:spPr>
       </p:pic>
-      <p:sp>
-        <p:nvSpPr>
-          <p:cNvPr id="14" name="TextBox 13">
-            <a:extLst>
-              <a:ext uri="{FF2B5EF4-FFF2-40B4-BE49-F238E27FC236}">
-                <a16:creationId xmlns:a16="http://schemas.microsoft.com/office/drawing/2014/main" id="{9EBA6991-5334-4062-B3F1-4AC30A7CA6B6}"/>
-              </a:ext>
-            </a:extLst>
-          </p:cNvPr>
-          <p:cNvSpPr txBox="1"/>
+      <p:pic>
+        <p:nvPicPr>
+          <p:cNvPr id="7" name="Picture 6">
+            <a:extLst>
+              <a:ext uri="{FF2B5EF4-FFF2-40B4-BE49-F238E27FC236}">
+                <a16:creationId xmlns:a16="http://schemas.microsoft.com/office/drawing/2014/main" id="{DA34B010-2DFF-4D9D-95AD-E000E2317D3E}"/>
+              </a:ext>
+            </a:extLst>
+          </p:cNvPr>
+          <p:cNvPicPr>
+            <a:picLocks noChangeAspect="1"/>
+          </p:cNvPicPr>
           <p:nvPr/>
-        </p:nvSpPr>
+        </p:nvPicPr>
+        <p:blipFill>
+          <a:blip r:embed="rId3">
+            <a:extLst>
+              <a:ext uri="{28A0092B-C50C-407E-A947-70E740481C1C}">
+                <a14:useLocalDpi xmlns:a14="http://schemas.microsoft.com/office/drawing/2010/main" val="0"/>
+              </a:ext>
+            </a:extLst>
+          </a:blip>
+          <a:stretch>
+            <a:fillRect/>
+          </a:stretch>
+        </p:blipFill>
         <p:spPr>
           <a:xfrm>
-            <a:off x="8867775" y="-32386"/>
-            <a:ext cx="3324225" cy="230832"/>
+            <a:off x="6649452" y="1507959"/>
+            <a:ext cx="4672921" cy="3118529"/>
           </a:xfrm>
           <a:prstGeom prst="rect">
             <a:avLst/>
           </a:prstGeom>
-          <a:noFill/>
         </p:spPr>
-        <p:txBody>
-          <a:bodyPr wrap="square" rtlCol="0">
-            <a:spAutoFit/>
-          </a:bodyPr>
-          <a:lstStyle/>
-          <a:p>
-            <a:pPr algn="r"/>
-            <a:r>
-              <a:rPr lang="en-US" sz="900" dirty="0"/>
-              <a:t>Source: https://github.com/BIMCV-CSUSP/BIMCV-COVID-19</a:t>
-            </a:r>
-            <a:endParaRPr lang="en-SG" sz="900" dirty="0"/>
-          </a:p>
-        </p:txBody>
-      </p:sp>
+      </p:pic>
     </p:spTree>
     <p:extLst>
       <p:ext uri="{BB962C8B-B14F-4D97-AF65-F5344CB8AC3E}">
-        <p14:creationId xmlns:p14="http://schemas.microsoft.com/office/powerpoint/2010/main" val="1825000379"/>
+        <p14:creationId xmlns:p14="http://schemas.microsoft.com/office/powerpoint/2010/main" val="918406273"/>
       </p:ext>
     </p:extLst>
   </p:cSld>
@@ -5490,6 +4931,220 @@
 </file>
 
 <file path=ppt/slides/slide5.xml><?xml version="1.0" encoding="utf-8"?>
+<p:sld xmlns:a="http://schemas.openxmlformats.org/drawingml/2006/main" xmlns:r="http://schemas.openxmlformats.org/officeDocument/2006/relationships" xmlns:p="http://schemas.openxmlformats.org/presentationml/2006/main">
+  <p:cSld>
+    <p:spTree>
+      <p:nvGrpSpPr>
+        <p:cNvPr id="1" name=""/>
+        <p:cNvGrpSpPr/>
+        <p:nvPr/>
+      </p:nvGrpSpPr>
+      <p:grpSpPr>
+        <a:xfrm>
+          <a:off x="0" y="0"/>
+          <a:ext cx="0" cy="0"/>
+          <a:chOff x="0" y="0"/>
+          <a:chExt cx="0" cy="0"/>
+        </a:xfrm>
+      </p:grpSpPr>
+      <p:grpSp>
+        <p:nvGrpSpPr>
+          <p:cNvPr id="8" name="Group 7">
+            <a:extLst>
+              <a:ext uri="{FF2B5EF4-FFF2-40B4-BE49-F238E27FC236}">
+                <a16:creationId xmlns:a16="http://schemas.microsoft.com/office/drawing/2014/main" id="{86A4E73C-38FF-464A-B5AE-8B933F243E7F}"/>
+              </a:ext>
+            </a:extLst>
+          </p:cNvPr>
+          <p:cNvGrpSpPr/>
+          <p:nvPr/>
+        </p:nvGrpSpPr>
+        <p:grpSpPr>
+          <a:xfrm>
+            <a:off x="-184558" y="5754848"/>
+            <a:ext cx="10763075" cy="1191236"/>
+            <a:chOff x="-184558" y="5754848"/>
+            <a:chExt cx="10763075" cy="1191236"/>
+          </a:xfrm>
+        </p:grpSpPr>
+        <p:sp>
+          <p:nvSpPr>
+            <p:cNvPr id="9" name="Rectangle: Rounded Corners 8">
+              <a:extLst>
+                <a:ext uri="{FF2B5EF4-FFF2-40B4-BE49-F238E27FC236}">
+                  <a16:creationId xmlns:a16="http://schemas.microsoft.com/office/drawing/2014/main" id="{592FC620-7E85-4590-B3AB-8BD028B120F9}"/>
+                </a:ext>
+              </a:extLst>
+            </p:cNvPr>
+            <p:cNvSpPr/>
+            <p:nvPr/>
+          </p:nvSpPr>
+          <p:spPr>
+            <a:xfrm>
+              <a:off x="-184558" y="5754848"/>
+              <a:ext cx="10763075" cy="1191236"/>
+            </a:xfrm>
+            <a:prstGeom prst="roundRect">
+              <a:avLst/>
+            </a:prstGeom>
+            <a:solidFill>
+              <a:schemeClr val="accent1">
+                <a:lumMod val="75000"/>
+              </a:schemeClr>
+            </a:solidFill>
+          </p:spPr>
+          <p:style>
+            <a:lnRef idx="2">
+              <a:schemeClr val="accent1">
+                <a:shade val="50000"/>
+              </a:schemeClr>
+            </a:lnRef>
+            <a:fillRef idx="1">
+              <a:schemeClr val="accent1"/>
+            </a:fillRef>
+            <a:effectRef idx="0">
+              <a:schemeClr val="accent1"/>
+            </a:effectRef>
+            <a:fontRef idx="minor">
+              <a:schemeClr val="lt1"/>
+            </a:fontRef>
+          </p:style>
+          <p:txBody>
+            <a:bodyPr rtlCol="0" anchor="ctr"/>
+            <a:lstStyle/>
+            <a:p>
+              <a:pPr algn="ctr"/>
+              <a:endParaRPr lang="en-SG"/>
+            </a:p>
+          </p:txBody>
+        </p:sp>
+        <p:sp>
+          <p:nvSpPr>
+            <p:cNvPr id="10" name="TextBox 9">
+              <a:extLst>
+                <a:ext uri="{FF2B5EF4-FFF2-40B4-BE49-F238E27FC236}">
+                  <a16:creationId xmlns:a16="http://schemas.microsoft.com/office/drawing/2014/main" id="{E24809D9-B894-4D7F-9F95-DCF37E2744AF}"/>
+                </a:ext>
+              </a:extLst>
+            </p:cNvPr>
+            <p:cNvSpPr txBox="1"/>
+            <p:nvPr/>
+          </p:nvSpPr>
+          <p:spPr>
+            <a:xfrm>
+              <a:off x="323850" y="5754848"/>
+              <a:ext cx="8934275" cy="769441"/>
+            </a:xfrm>
+            <a:prstGeom prst="rect">
+              <a:avLst/>
+            </a:prstGeom>
+            <a:noFill/>
+          </p:spPr>
+          <p:txBody>
+            <a:bodyPr wrap="square" rtlCol="0">
+              <a:spAutoFit/>
+            </a:bodyPr>
+            <a:lstStyle/>
+            <a:p>
+              <a:r>
+                <a:rPr lang="en-US" sz="4400" dirty="0">
+                  <a:solidFill>
+                    <a:schemeClr val="bg1"/>
+                  </a:solidFill>
+                  <a:latin typeface="Trebuchet MS" panose="020B0603020202020204" pitchFamily="34" charset="0"/>
+                </a:rPr>
+                <a:t>EDA 0cdf5b5d0ce1, Index 3 </a:t>
+              </a:r>
+            </a:p>
+          </p:txBody>
+        </p:sp>
+      </p:grpSp>
+      <p:pic>
+        <p:nvPicPr>
+          <p:cNvPr id="3" name="Picture 2">
+            <a:extLst>
+              <a:ext uri="{FF2B5EF4-FFF2-40B4-BE49-F238E27FC236}">
+                <a16:creationId xmlns:a16="http://schemas.microsoft.com/office/drawing/2014/main" id="{8A120EF4-195A-41C5-908F-96A156846CC3}"/>
+              </a:ext>
+            </a:extLst>
+          </p:cNvPr>
+          <p:cNvPicPr>
+            <a:picLocks noChangeAspect="1"/>
+          </p:cNvPicPr>
+          <p:nvPr/>
+        </p:nvPicPr>
+        <p:blipFill>
+          <a:blip r:embed="rId2">
+            <a:extLst>
+              <a:ext uri="{28A0092B-C50C-407E-A947-70E740481C1C}">
+                <a14:useLocalDpi xmlns:a14="http://schemas.microsoft.com/office/drawing/2010/main" val="0"/>
+              </a:ext>
+            </a:extLst>
+          </a:blip>
+          <a:stretch>
+            <a:fillRect/>
+          </a:stretch>
+        </p:blipFill>
+        <p:spPr>
+          <a:xfrm>
+            <a:off x="6649454" y="1507960"/>
+            <a:ext cx="4672919" cy="3118528"/>
+          </a:xfrm>
+          <a:prstGeom prst="rect">
+            <a:avLst/>
+          </a:prstGeom>
+        </p:spPr>
+      </p:pic>
+      <p:pic>
+        <p:nvPicPr>
+          <p:cNvPr id="6" name="Picture 5">
+            <a:extLst>
+              <a:ext uri="{FF2B5EF4-FFF2-40B4-BE49-F238E27FC236}">
+                <a16:creationId xmlns:a16="http://schemas.microsoft.com/office/drawing/2014/main" id="{3C931F65-0581-4262-8D1F-435728FBC8B1}"/>
+              </a:ext>
+            </a:extLst>
+          </p:cNvPr>
+          <p:cNvPicPr>
+            <a:picLocks noChangeAspect="1"/>
+          </p:cNvPicPr>
+          <p:nvPr/>
+        </p:nvPicPr>
+        <p:blipFill>
+          <a:blip r:embed="rId3">
+            <a:extLst>
+              <a:ext uri="{28A0092B-C50C-407E-A947-70E740481C1C}">
+                <a14:useLocalDpi xmlns:a14="http://schemas.microsoft.com/office/drawing/2010/main" val="0"/>
+              </a:ext>
+            </a:extLst>
+          </a:blip>
+          <a:stretch>
+            <a:fillRect/>
+          </a:stretch>
+        </p:blipFill>
+        <p:spPr>
+          <a:xfrm>
+            <a:off x="869629" y="1507960"/>
+            <a:ext cx="4672918" cy="3118528"/>
+          </a:xfrm>
+          <a:prstGeom prst="rect">
+            <a:avLst/>
+          </a:prstGeom>
+        </p:spPr>
+      </p:pic>
+    </p:spTree>
+    <p:extLst>
+      <p:ext uri="{BB962C8B-B14F-4D97-AF65-F5344CB8AC3E}">
+        <p14:creationId xmlns:p14="http://schemas.microsoft.com/office/powerpoint/2010/main" val="324410102"/>
+      </p:ext>
+    </p:extLst>
+  </p:cSld>
+  <p:clrMapOvr>
+    <a:masterClrMapping/>
+  </p:clrMapOvr>
+</p:sld>
+</file>
+
+<file path=ppt/slides/slide6.xml><?xml version="1.0" encoding="utf-8"?>
 <p:sld xmlns:a="http://schemas.openxmlformats.org/drawingml/2006/main" xmlns:r="http://schemas.openxmlformats.org/officeDocument/2006/relationships" xmlns:p="http://schemas.openxmlformats.org/presentationml/2006/main">
   <p:cSld>
     <p:spTree>
@@ -5618,12 +5273,49 @@
           </p:txBody>
         </p:sp>
       </p:grpSp>
+      <p:sp>
+        <p:nvSpPr>
+          <p:cNvPr id="13" name="TextBox 12">
+            <a:extLst>
+              <a:ext uri="{FF2B5EF4-FFF2-40B4-BE49-F238E27FC236}">
+                <a16:creationId xmlns:a16="http://schemas.microsoft.com/office/drawing/2014/main" id="{80A96EF8-254A-4186-A0AF-6E0FA86EAA9C}"/>
+              </a:ext>
+            </a:extLst>
+          </p:cNvPr>
+          <p:cNvSpPr txBox="1"/>
+          <p:nvPr/>
+        </p:nvSpPr>
+        <p:spPr>
+          <a:xfrm>
+            <a:off x="8420101" y="-32386"/>
+            <a:ext cx="3771900" cy="230832"/>
+          </a:xfrm>
+          <a:prstGeom prst="rect">
+            <a:avLst/>
+          </a:prstGeom>
+          <a:noFill/>
+        </p:spPr>
+        <p:txBody>
+          <a:bodyPr wrap="square" rtlCol="0">
+            <a:spAutoFit/>
+          </a:bodyPr>
+          <a:lstStyle/>
+          <a:p>
+            <a:pPr algn="r"/>
+            <a:r>
+              <a:rPr lang="en-US" sz="900" dirty="0"/>
+              <a:t>https://cv-tricks.com/cnn/understand-resnet-alexnet-vgg-inception/</a:t>
+            </a:r>
+            <a:endParaRPr lang="en-SG" sz="900" dirty="0"/>
+          </a:p>
+        </p:txBody>
+      </p:sp>
       <p:pic>
         <p:nvPicPr>
-          <p:cNvPr id="9" name="Picture 8">
-            <a:extLst>
-              <a:ext uri="{FF2B5EF4-FFF2-40B4-BE49-F238E27FC236}">
-                <a16:creationId xmlns:a16="http://schemas.microsoft.com/office/drawing/2014/main" id="{165FE1CA-3C12-4B5A-B5F1-BF15D4C1FDA4}"/>
+          <p:cNvPr id="3" name="Picture 2">
+            <a:extLst>
+              <a:ext uri="{FF2B5EF4-FFF2-40B4-BE49-F238E27FC236}">
+                <a16:creationId xmlns:a16="http://schemas.microsoft.com/office/drawing/2014/main" id="{19CAE6B8-8C2C-48C3-83EB-C02EEF733DE0}"/>
               </a:ext>
             </a:extLst>
           </p:cNvPr>
@@ -5640,8 +5332,8 @@
         </p:blipFill>
         <p:spPr>
           <a:xfrm>
-            <a:off x="-1" y="118619"/>
-            <a:ext cx="9926537" cy="3053206"/>
+            <a:off x="187241" y="294328"/>
+            <a:ext cx="6924675" cy="5038725"/>
           </a:xfrm>
           <a:prstGeom prst="rect">
             <a:avLst/>
@@ -5650,10 +5342,10 @@
       </p:pic>
       <p:sp>
         <p:nvSpPr>
-          <p:cNvPr id="11" name="TextBox 10">
-            <a:extLst>
-              <a:ext uri="{FF2B5EF4-FFF2-40B4-BE49-F238E27FC236}">
-                <a16:creationId xmlns:a16="http://schemas.microsoft.com/office/drawing/2014/main" id="{CEB7289F-1424-4293-88AC-882B0EE467D5}"/>
+          <p:cNvPr id="10" name="TextBox 9">
+            <a:extLst>
+              <a:ext uri="{FF2B5EF4-FFF2-40B4-BE49-F238E27FC236}">
+                <a16:creationId xmlns:a16="http://schemas.microsoft.com/office/drawing/2014/main" id="{9947122E-24EE-4777-A3B8-7EC1894F80AB}"/>
               </a:ext>
             </a:extLst>
           </p:cNvPr>
@@ -5662,8 +5354,8 @@
         </p:nvSpPr>
         <p:spPr>
           <a:xfrm>
-            <a:off x="6257924" y="3369090"/>
-            <a:ext cx="5781675" cy="1754326"/>
+            <a:off x="7327479" y="3907642"/>
+            <a:ext cx="4722211" cy="923330"/>
           </a:xfrm>
           <a:prstGeom prst="rect">
             <a:avLst/>
@@ -5677,12 +5369,8 @@
           <a:lstStyle/>
           <a:p>
             <a:r>
-              <a:rPr lang="en-US" dirty="0" err="1"/>
-              <a:t>AlexNet’s</a:t>
-            </a:r>
-            <a:r>
               <a:rPr lang="en-US" dirty="0"/>
-              <a:t> novel features:</a:t>
+              <a:t>Three 3X3 kernel-sized filters one after another.</a:t>
             </a:r>
           </a:p>
           <a:p>
@@ -5690,60 +5378,10 @@
           </a:p>
           <a:p>
             <a:r>
-              <a:rPr lang="en-US" dirty="0" err="1"/>
-              <a:t>ReLu</a:t>
-            </a:r>
-            <a:r>
               <a:rPr lang="en-US" dirty="0"/>
-              <a:t>(Rectified Linear Unit)- counters vanishing gradient problem</a:t>
-            </a:r>
-          </a:p>
-          <a:p>
-            <a:endParaRPr lang="en-US" dirty="0"/>
-          </a:p>
-          <a:p>
-            <a:r>
-              <a:rPr lang="en-US" dirty="0"/>
-              <a:t>Dropout Layers introduced- counters overfitting</a:t>
+              <a:t>With pooling layers in between</a:t>
             </a:r>
             <a:endParaRPr lang="en-SG" dirty="0"/>
-          </a:p>
-        </p:txBody>
-      </p:sp>
-      <p:sp>
-        <p:nvSpPr>
-          <p:cNvPr id="13" name="TextBox 12">
-            <a:extLst>
-              <a:ext uri="{FF2B5EF4-FFF2-40B4-BE49-F238E27FC236}">
-                <a16:creationId xmlns:a16="http://schemas.microsoft.com/office/drawing/2014/main" id="{80A96EF8-254A-4186-A0AF-6E0FA86EAA9C}"/>
-              </a:ext>
-            </a:extLst>
-          </p:cNvPr>
-          <p:cNvSpPr txBox="1"/>
-          <p:nvPr/>
-        </p:nvSpPr>
-        <p:spPr>
-          <a:xfrm>
-            <a:off x="8420101" y="-32386"/>
-            <a:ext cx="3771900" cy="230832"/>
-          </a:xfrm>
-          <a:prstGeom prst="rect">
-            <a:avLst/>
-          </a:prstGeom>
-          <a:noFill/>
-        </p:spPr>
-        <p:txBody>
-          <a:bodyPr wrap="square" rtlCol="0">
-            <a:spAutoFit/>
-          </a:bodyPr>
-          <a:lstStyle/>
-          <a:p>
-            <a:pPr algn="r"/>
-            <a:r>
-              <a:rPr lang="en-US" sz="900" dirty="0"/>
-              <a:t>https://cv-tricks.com/cnn/understand-resnet-alexnet-vgg-inception/</a:t>
-            </a:r>
-            <a:endParaRPr lang="en-SG" sz="900" dirty="0"/>
           </a:p>
         </p:txBody>
       </p:sp>
@@ -5760,7 +5398,7 @@
 </p:sld>
 </file>
 
-<file path=ppt/slides/slide6.xml><?xml version="1.0" encoding="utf-8"?>
+<file path=ppt/slides/slide7.xml><?xml version="1.0" encoding="utf-8"?>
 <p:sld xmlns:a="http://schemas.openxmlformats.org/drawingml/2006/main" xmlns:r="http://schemas.openxmlformats.org/officeDocument/2006/relationships" xmlns:p="http://schemas.openxmlformats.org/presentationml/2006/main">
   <p:cSld>
     <p:spTree>
@@ -5792,9 +5430,9 @@
         <p:grpSpPr>
           <a:xfrm>
             <a:off x="-184558" y="5754848"/>
-            <a:ext cx="10763075" cy="1191236"/>
+            <a:ext cx="10763075" cy="1446550"/>
             <a:chOff x="-184558" y="5754848"/>
-            <a:chExt cx="10763075" cy="1191236"/>
+            <a:chExt cx="10763075" cy="1446550"/>
           </a:xfrm>
         </p:grpSpPr>
         <p:sp>
@@ -5863,7 +5501,7 @@
           <p:spPr>
             <a:xfrm>
               <a:off x="323850" y="5754848"/>
-              <a:ext cx="8934275" cy="769441"/>
+              <a:ext cx="8934275" cy="1446550"/>
             </a:xfrm>
             <a:prstGeom prst="rect">
               <a:avLst/>
@@ -5883,100 +5521,36 @@
                   </a:solidFill>
                   <a:latin typeface="Trebuchet MS" panose="020B0603020202020204" pitchFamily="34" charset="0"/>
                 </a:rPr>
-                <a:t>CNN –VGG16</a:t>
+                <a:t>CNN –output layers</a:t>
               </a:r>
+            </a:p>
+            <a:p>
+              <a:endParaRPr lang="en-US" sz="4400" dirty="0">
+                <a:solidFill>
+                  <a:schemeClr val="bg1"/>
+                </a:solidFill>
+                <a:latin typeface="Trebuchet MS" panose="020B0603020202020204" pitchFamily="34" charset="0"/>
+              </a:endParaRPr>
             </a:p>
           </p:txBody>
         </p:sp>
       </p:grpSp>
-      <p:pic>
-        <p:nvPicPr>
-          <p:cNvPr id="3" name="Picture 2">
-            <a:extLst>
-              <a:ext uri="{FF2B5EF4-FFF2-40B4-BE49-F238E27FC236}">
-                <a16:creationId xmlns:a16="http://schemas.microsoft.com/office/drawing/2014/main" id="{A2C85C91-8A35-4C3A-9F9C-9475DB57CF4C}"/>
-              </a:ext>
-            </a:extLst>
-          </p:cNvPr>
-          <p:cNvPicPr>
-            <a:picLocks noChangeAspect="1"/>
-          </p:cNvPicPr>
+      <p:sp>
+        <p:nvSpPr>
+          <p:cNvPr id="12" name="TextBox 11">
+            <a:extLst>
+              <a:ext uri="{FF2B5EF4-FFF2-40B4-BE49-F238E27FC236}">
+                <a16:creationId xmlns:a16="http://schemas.microsoft.com/office/drawing/2014/main" id="{EFA28CD6-C304-4C68-90D3-6127F46F98F0}"/>
+              </a:ext>
+            </a:extLst>
+          </p:cNvPr>
+          <p:cNvSpPr txBox="1"/>
           <p:nvPr/>
-        </p:nvPicPr>
-        <p:blipFill>
-          <a:blip r:embed="rId2">
-            <a:extLst>
-              <a:ext uri="{28A0092B-C50C-407E-A947-70E740481C1C}">
-                <a14:useLocalDpi xmlns:a14="http://schemas.microsoft.com/office/drawing/2010/main" val="0"/>
-              </a:ext>
-            </a:extLst>
-          </a:blip>
-          <a:stretch>
-            <a:fillRect/>
-          </a:stretch>
-        </p:blipFill>
+        </p:nvSpPr>
         <p:spPr>
           <a:xfrm>
-            <a:off x="-1" y="19049"/>
-            <a:ext cx="7327481" cy="4124325"/>
-          </a:xfrm>
-          <a:prstGeom prst="rect">
-            <a:avLst/>
-          </a:prstGeom>
-        </p:spPr>
-      </p:pic>
-      <p:pic>
-        <p:nvPicPr>
-          <p:cNvPr id="10" name="Picture 9">
-            <a:extLst>
-              <a:ext uri="{FF2B5EF4-FFF2-40B4-BE49-F238E27FC236}">
-                <a16:creationId xmlns:a16="http://schemas.microsoft.com/office/drawing/2014/main" id="{114B2051-6637-4B0B-837C-50A6F61A76C1}"/>
-              </a:ext>
-            </a:extLst>
-          </p:cNvPr>
-          <p:cNvPicPr>
-            <a:picLocks noChangeAspect="1"/>
-          </p:cNvPicPr>
-          <p:nvPr/>
-        </p:nvPicPr>
-        <p:blipFill>
-          <a:blip r:embed="rId3">
-            <a:extLst>
-              <a:ext uri="{28A0092B-C50C-407E-A947-70E740481C1C}">
-                <a14:useLocalDpi xmlns:a14="http://schemas.microsoft.com/office/drawing/2010/main" val="0"/>
-              </a:ext>
-            </a:extLst>
-          </a:blip>
-          <a:stretch>
-            <a:fillRect/>
-          </a:stretch>
-        </p:blipFill>
-        <p:spPr>
-          <a:xfrm>
-            <a:off x="7327480" y="611129"/>
-            <a:ext cx="4864520" cy="3203634"/>
-          </a:xfrm>
-          <a:prstGeom prst="rect">
-            <a:avLst/>
-          </a:prstGeom>
-        </p:spPr>
-      </p:pic>
-      <p:sp>
-        <p:nvSpPr>
-          <p:cNvPr id="12" name="TextBox 11">
-            <a:extLst>
-              <a:ext uri="{FF2B5EF4-FFF2-40B4-BE49-F238E27FC236}">
-                <a16:creationId xmlns:a16="http://schemas.microsoft.com/office/drawing/2014/main" id="{EFA28CD6-C304-4C68-90D3-6127F46F98F0}"/>
-              </a:ext>
-            </a:extLst>
-          </p:cNvPr>
-          <p:cNvSpPr txBox="1"/>
-          <p:nvPr/>
-        </p:nvSpPr>
-        <p:spPr>
-          <a:xfrm>
-            <a:off x="7327479" y="3907642"/>
-            <a:ext cx="4722211" cy="1200329"/>
+            <a:off x="6897019" y="521884"/>
+            <a:ext cx="4722211" cy="3693319"/>
           </a:xfrm>
           <a:prstGeom prst="rect">
             <a:avLst/>
@@ -5991,16 +5565,95 @@
           <a:p>
             <a:r>
               <a:rPr lang="en-US" dirty="0"/>
-              <a:t>Replacing large kernel-sized filters with multiple 3X3 kernel-sized filters one after another.</a:t>
-            </a:r>
-          </a:p>
-          <a:p>
-            <a:endParaRPr lang="en-US" dirty="0"/>
+              <a:t>12 Channels:</a:t>
+            </a:r>
           </a:p>
           <a:p>
             <a:r>
               <a:rPr lang="en-US" dirty="0"/>
-              <a:t>ImageNet: pre-training</a:t>
+              <a:t>3 RGB Channels, each with:</a:t>
+            </a:r>
+          </a:p>
+          <a:p>
+            <a:pPr marL="742950" lvl="1" indent="-285750">
+              <a:buFont typeface="Arial" panose="020B0604020202020204" pitchFamily="34" charset="0"/>
+              <a:buChar char="•"/>
+            </a:pPr>
+            <a:r>
+              <a:rPr lang="en-US" dirty="0"/>
+              <a:t>the image,</a:t>
+            </a:r>
+          </a:p>
+          <a:p>
+            <a:pPr marL="742950" lvl="1" indent="-285750">
+              <a:buFont typeface="Arial" panose="020B0604020202020204" pitchFamily="34" charset="0"/>
+              <a:buChar char="•"/>
+            </a:pPr>
+            <a:r>
+              <a:rPr lang="en-US" dirty="0"/>
+              <a:t>image mean across different rotations</a:t>
+            </a:r>
+          </a:p>
+          <a:p>
+            <a:pPr marL="742950" lvl="1" indent="-285750">
+              <a:buFont typeface="Arial" panose="020B0604020202020204" pitchFamily="34" charset="0"/>
+              <a:buChar char="•"/>
+            </a:pPr>
+            <a:r>
+              <a:rPr lang="en-US" dirty="0"/>
+              <a:t>Image standard deviation across rotations</a:t>
+            </a:r>
+            <a:endParaRPr lang="en-SG" dirty="0"/>
+          </a:p>
+          <a:p>
+            <a:r>
+              <a:rPr lang="en-SG" dirty="0"/>
+              <a:t>For a total of 9 channels	</a:t>
+            </a:r>
+          </a:p>
+          <a:p>
+            <a:endParaRPr lang="en-SG" dirty="0"/>
+          </a:p>
+          <a:p>
+            <a:r>
+              <a:rPr lang="en-SG" dirty="0"/>
+              <a:t>3 more channels for </a:t>
+            </a:r>
+          </a:p>
+          <a:p>
+            <a:pPr marL="742950" lvl="1" indent="-285750">
+              <a:buFont typeface="Arial" panose="020B0604020202020204" pitchFamily="34" charset="0"/>
+              <a:buChar char="•"/>
+            </a:pPr>
+            <a:r>
+              <a:rPr lang="en-US" dirty="0"/>
+              <a:t>Mask mean</a:t>
+            </a:r>
+          </a:p>
+          <a:p>
+            <a:pPr marL="742950" lvl="1" indent="-285750">
+              <a:buFont typeface="Arial" panose="020B0604020202020204" pitchFamily="34" charset="0"/>
+              <a:buChar char="•"/>
+            </a:pPr>
+            <a:r>
+              <a:rPr lang="en-US" dirty="0"/>
+              <a:t>Mask standard deviation</a:t>
+            </a:r>
+          </a:p>
+          <a:p>
+            <a:pPr marL="742950" lvl="1" indent="-285750">
+              <a:buFont typeface="Arial" panose="020B0604020202020204" pitchFamily="34" charset="0"/>
+              <a:buChar char="•"/>
+            </a:pPr>
+            <a:r>
+              <a:rPr lang="en-US" dirty="0"/>
+              <a:t>Mask Minimum values</a:t>
+            </a:r>
+          </a:p>
+          <a:p>
+            <a:r>
+              <a:rPr lang="en-US" dirty="0"/>
+              <a:t>For each rotation index</a:t>
             </a:r>
             <a:endParaRPr lang="en-SG" dirty="0"/>
           </a:p>
@@ -6043,154 +5696,12 @@
           </a:p>
         </p:txBody>
       </p:sp>
-    </p:spTree>
-    <p:extLst>
-      <p:ext uri="{BB962C8B-B14F-4D97-AF65-F5344CB8AC3E}">
-        <p14:creationId xmlns:p14="http://schemas.microsoft.com/office/powerpoint/2010/main" val="143029202"/>
-      </p:ext>
-    </p:extLst>
-  </p:cSld>
-  <p:clrMapOvr>
-    <a:masterClrMapping/>
-  </p:clrMapOvr>
-</p:sld>
-</file>
-
-<file path=ppt/slides/slide7.xml><?xml version="1.0" encoding="utf-8"?>
-<p:sld xmlns:a="http://schemas.openxmlformats.org/drawingml/2006/main" xmlns:r="http://schemas.openxmlformats.org/officeDocument/2006/relationships" xmlns:p="http://schemas.openxmlformats.org/presentationml/2006/main">
-  <p:cSld>
-    <p:spTree>
-      <p:nvGrpSpPr>
-        <p:cNvPr id="1" name=""/>
-        <p:cNvGrpSpPr/>
-        <p:nvPr/>
-      </p:nvGrpSpPr>
-      <p:grpSpPr>
-        <a:xfrm>
-          <a:off x="0" y="0"/>
-          <a:ext cx="0" cy="0"/>
-          <a:chOff x="0" y="0"/>
-          <a:chExt cx="0" cy="0"/>
-        </a:xfrm>
-      </p:grpSpPr>
-      <p:grpSp>
-        <p:nvGrpSpPr>
-          <p:cNvPr id="5" name="Group 4">
-            <a:extLst>
-              <a:ext uri="{FF2B5EF4-FFF2-40B4-BE49-F238E27FC236}">
-                <a16:creationId xmlns:a16="http://schemas.microsoft.com/office/drawing/2014/main" id="{206B99F0-15BC-4E22-89E0-3EF2D54A0A2E}"/>
-              </a:ext>
-            </a:extLst>
-          </p:cNvPr>
-          <p:cNvGrpSpPr/>
-          <p:nvPr/>
-        </p:nvGrpSpPr>
-        <p:grpSpPr>
-          <a:xfrm>
-            <a:off x="-184558" y="5754848"/>
-            <a:ext cx="10763075" cy="1191236"/>
-            <a:chOff x="-184558" y="5754848"/>
-            <a:chExt cx="10763075" cy="1191236"/>
-          </a:xfrm>
-        </p:grpSpPr>
-        <p:sp>
-          <p:nvSpPr>
-            <p:cNvPr id="6" name="Rectangle: Rounded Corners 5">
-              <a:extLst>
-                <a:ext uri="{FF2B5EF4-FFF2-40B4-BE49-F238E27FC236}">
-                  <a16:creationId xmlns:a16="http://schemas.microsoft.com/office/drawing/2014/main" id="{40E36B0E-7790-400C-AAD9-425A47456AF5}"/>
-                </a:ext>
-              </a:extLst>
-            </p:cNvPr>
-            <p:cNvSpPr/>
-            <p:nvPr/>
-          </p:nvSpPr>
-          <p:spPr>
-            <a:xfrm>
-              <a:off x="-184558" y="5754848"/>
-              <a:ext cx="10763075" cy="1191236"/>
-            </a:xfrm>
-            <a:prstGeom prst="roundRect">
-              <a:avLst/>
-            </a:prstGeom>
-            <a:solidFill>
-              <a:schemeClr val="accent1">
-                <a:lumMod val="75000"/>
-              </a:schemeClr>
-            </a:solidFill>
-          </p:spPr>
-          <p:style>
-            <a:lnRef idx="2">
-              <a:schemeClr val="accent1">
-                <a:shade val="50000"/>
-              </a:schemeClr>
-            </a:lnRef>
-            <a:fillRef idx="1">
-              <a:schemeClr val="accent1"/>
-            </a:fillRef>
-            <a:effectRef idx="0">
-              <a:schemeClr val="accent1"/>
-            </a:effectRef>
-            <a:fontRef idx="minor">
-              <a:schemeClr val="lt1"/>
-            </a:fontRef>
-          </p:style>
-          <p:txBody>
-            <a:bodyPr rtlCol="0" anchor="ctr"/>
-            <a:lstStyle/>
-            <a:p>
-              <a:pPr algn="ctr"/>
-              <a:endParaRPr lang="en-SG"/>
-            </a:p>
-          </p:txBody>
-        </p:sp>
-        <p:sp>
-          <p:nvSpPr>
-            <p:cNvPr id="7" name="TextBox 6">
-              <a:extLst>
-                <a:ext uri="{FF2B5EF4-FFF2-40B4-BE49-F238E27FC236}">
-                  <a16:creationId xmlns:a16="http://schemas.microsoft.com/office/drawing/2014/main" id="{DAD2CBF1-B629-476F-8708-53B79B15A373}"/>
-                </a:ext>
-              </a:extLst>
-            </p:cNvPr>
-            <p:cNvSpPr txBox="1"/>
-            <p:nvPr/>
-          </p:nvSpPr>
-          <p:spPr>
-            <a:xfrm>
-              <a:off x="323850" y="5754848"/>
-              <a:ext cx="8934275" cy="769441"/>
-            </a:xfrm>
-            <a:prstGeom prst="rect">
-              <a:avLst/>
-            </a:prstGeom>
-            <a:noFill/>
-          </p:spPr>
-          <p:txBody>
-            <a:bodyPr wrap="square" rtlCol="0">
-              <a:spAutoFit/>
-            </a:bodyPr>
-            <a:lstStyle/>
-            <a:p>
-              <a:r>
-                <a:rPr lang="en-US" sz="4400" dirty="0">
-                  <a:solidFill>
-                    <a:schemeClr val="bg1"/>
-                  </a:solidFill>
-                  <a:latin typeface="Trebuchet MS" panose="020B0603020202020204" pitchFamily="34" charset="0"/>
-                </a:rPr>
-                <a:t>CNN – ResidualNet50</a:t>
-              </a:r>
-            </a:p>
-          </p:txBody>
-        </p:sp>
-      </p:grpSp>
       <p:pic>
         <p:nvPicPr>
-          <p:cNvPr id="9" name="Picture 8">
-            <a:extLst>
-              <a:ext uri="{FF2B5EF4-FFF2-40B4-BE49-F238E27FC236}">
-                <a16:creationId xmlns:a16="http://schemas.microsoft.com/office/drawing/2014/main" id="{8EF2562A-F3CE-473E-B185-DCFB6D515A1D}"/>
+          <p:cNvPr id="4" name="Picture 3">
+            <a:extLst>
+              <a:ext uri="{FF2B5EF4-FFF2-40B4-BE49-F238E27FC236}">
+                <a16:creationId xmlns:a16="http://schemas.microsoft.com/office/drawing/2014/main" id="{08FCB265-22C5-4DEF-A32A-442BF954E4E7}"/>
               </a:ext>
             </a:extLst>
           </p:cNvPr>
@@ -6207,229 +5718,18 @@
         </p:blipFill>
         <p:spPr>
           <a:xfrm>
-            <a:off x="1857376" y="438150"/>
-            <a:ext cx="2214562" cy="4638045"/>
+            <a:off x="323850" y="113452"/>
+            <a:ext cx="5457905" cy="5317958"/>
           </a:xfrm>
           <a:prstGeom prst="rect">
             <a:avLst/>
           </a:prstGeom>
         </p:spPr>
       </p:pic>
-      <p:sp>
-        <p:nvSpPr>
-          <p:cNvPr id="10" name="TextBox 9">
-            <a:extLst>
-              <a:ext uri="{FF2B5EF4-FFF2-40B4-BE49-F238E27FC236}">
-                <a16:creationId xmlns:a16="http://schemas.microsoft.com/office/drawing/2014/main" id="{9E7F8855-8B3B-4D78-95F3-3450911BA56C}"/>
-              </a:ext>
-            </a:extLst>
-          </p:cNvPr>
-          <p:cNvSpPr txBox="1"/>
-          <p:nvPr/>
-        </p:nvSpPr>
-        <p:spPr>
-          <a:xfrm>
-            <a:off x="6927056" y="4259962"/>
-            <a:ext cx="4722211" cy="1477328"/>
-          </a:xfrm>
-          <a:prstGeom prst="rect">
-            <a:avLst/>
-          </a:prstGeom>
-          <a:noFill/>
-        </p:spPr>
-        <p:txBody>
-          <a:bodyPr wrap="square" rtlCol="0">
-            <a:spAutoFit/>
-          </a:bodyPr>
-          <a:lstStyle/>
-          <a:p>
-            <a:r>
-              <a:rPr lang="en-US" dirty="0"/>
-              <a:t>Identity Connections: shortcuts</a:t>
-            </a:r>
-          </a:p>
-          <a:p>
-            <a:endParaRPr lang="en-US" dirty="0"/>
-          </a:p>
-          <a:p>
-            <a:r>
-              <a:rPr lang="en-US" dirty="0"/>
-              <a:t>Retains many of the 3x3 layers</a:t>
-            </a:r>
-          </a:p>
-          <a:p>
-            <a:endParaRPr lang="en-US" dirty="0"/>
-          </a:p>
-          <a:p>
-            <a:r>
-              <a:rPr lang="en-US" dirty="0"/>
-              <a:t>ImageNet: pre-training</a:t>
-            </a:r>
-            <a:endParaRPr lang="en-SG" dirty="0"/>
-          </a:p>
-        </p:txBody>
-      </p:sp>
-      <p:grpSp>
-        <p:nvGrpSpPr>
-          <p:cNvPr id="13" name="Group 12">
-            <a:extLst>
-              <a:ext uri="{FF2B5EF4-FFF2-40B4-BE49-F238E27FC236}">
-                <a16:creationId xmlns:a16="http://schemas.microsoft.com/office/drawing/2014/main" id="{273E1FBA-E3F0-4072-8C82-E6C81A8397CB}"/>
-              </a:ext>
-            </a:extLst>
-          </p:cNvPr>
-          <p:cNvGrpSpPr/>
-          <p:nvPr/>
-        </p:nvGrpSpPr>
-        <p:grpSpPr>
-          <a:xfrm>
-            <a:off x="6927056" y="830962"/>
-            <a:ext cx="5264944" cy="3429000"/>
-            <a:chOff x="6927056" y="830962"/>
-            <a:chExt cx="5264944" cy="3429000"/>
-          </a:xfrm>
-        </p:grpSpPr>
-        <p:pic>
-          <p:nvPicPr>
-            <p:cNvPr id="5124" name="Picture 4" descr="Image for post">
-              <a:extLst>
-                <a:ext uri="{FF2B5EF4-FFF2-40B4-BE49-F238E27FC236}">
-                  <a16:creationId xmlns:a16="http://schemas.microsoft.com/office/drawing/2014/main" id="{BC5D0F51-B400-42DA-9E3C-A629303A21F4}"/>
-                </a:ext>
-              </a:extLst>
-            </p:cNvPr>
-            <p:cNvPicPr>
-              <a:picLocks noChangeAspect="1" noChangeArrowheads="1"/>
-            </p:cNvPicPr>
-            <p:nvPr/>
-          </p:nvPicPr>
-          <p:blipFill>
-            <a:blip r:embed="rId3">
-              <a:extLst>
-                <a:ext uri="{28A0092B-C50C-407E-A947-70E740481C1C}">
-                  <a14:useLocalDpi xmlns:a14="http://schemas.microsoft.com/office/drawing/2010/main" val="0"/>
-                </a:ext>
-              </a:extLst>
-            </a:blip>
-            <a:srcRect/>
-            <a:stretch>
-              <a:fillRect/>
-            </a:stretch>
-          </p:blipFill>
-          <p:spPr bwMode="auto">
-            <a:xfrm>
-              <a:off x="6927056" y="830962"/>
-              <a:ext cx="5264944" cy="3429000"/>
-            </a:xfrm>
-            <a:prstGeom prst="rect">
-              <a:avLst/>
-            </a:prstGeom>
-            <a:noFill/>
-            <a:extLst>
-              <a:ext uri="{909E8E84-426E-40DD-AFC4-6F175D3DCCD1}">
-                <a14:hiddenFill xmlns:a14="http://schemas.microsoft.com/office/drawing/2010/main">
-                  <a:solidFill>
-                    <a:srgbClr val="FFFFFF"/>
-                  </a:solidFill>
-                </a14:hiddenFill>
-              </a:ext>
-            </a:extLst>
-          </p:spPr>
-        </p:pic>
-        <p:sp>
-          <p:nvSpPr>
-            <p:cNvPr id="12" name="Rectangle: Rounded Corners 11">
-              <a:extLst>
-                <a:ext uri="{FF2B5EF4-FFF2-40B4-BE49-F238E27FC236}">
-                  <a16:creationId xmlns:a16="http://schemas.microsoft.com/office/drawing/2014/main" id="{2E204DD8-ED80-4C61-A3CB-F7EF66382616}"/>
-                </a:ext>
-              </a:extLst>
-            </p:cNvPr>
-            <p:cNvSpPr/>
-            <p:nvPr/>
-          </p:nvSpPr>
-          <p:spPr>
-            <a:xfrm>
-              <a:off x="10226091" y="1428750"/>
-              <a:ext cx="1133475" cy="285750"/>
-            </a:xfrm>
-            <a:prstGeom prst="roundRect">
-              <a:avLst/>
-            </a:prstGeom>
-            <a:noFill/>
-            <a:ln w="31750">
-              <a:solidFill>
-                <a:srgbClr val="FF0000"/>
-              </a:solidFill>
-            </a:ln>
-          </p:spPr>
-          <p:style>
-            <a:lnRef idx="2">
-              <a:schemeClr val="accent1">
-                <a:shade val="50000"/>
-              </a:schemeClr>
-            </a:lnRef>
-            <a:fillRef idx="1">
-              <a:schemeClr val="accent1"/>
-            </a:fillRef>
-            <a:effectRef idx="0">
-              <a:schemeClr val="accent1"/>
-            </a:effectRef>
-            <a:fontRef idx="minor">
-              <a:schemeClr val="lt1"/>
-            </a:fontRef>
-          </p:style>
-          <p:txBody>
-            <a:bodyPr rtlCol="0" anchor="ctr"/>
-            <a:lstStyle/>
-            <a:p>
-              <a:pPr algn="ctr"/>
-              <a:endParaRPr lang="en-SG"/>
-            </a:p>
-          </p:txBody>
-        </p:sp>
-      </p:grpSp>
-      <p:sp>
-        <p:nvSpPr>
-          <p:cNvPr id="14" name="TextBox 13">
-            <a:extLst>
-              <a:ext uri="{FF2B5EF4-FFF2-40B4-BE49-F238E27FC236}">
-                <a16:creationId xmlns:a16="http://schemas.microsoft.com/office/drawing/2014/main" id="{7EB64D50-7336-4BFE-B4A6-3134B88CE40F}"/>
-              </a:ext>
-            </a:extLst>
-          </p:cNvPr>
-          <p:cNvSpPr txBox="1"/>
-          <p:nvPr/>
-        </p:nvSpPr>
-        <p:spPr>
-          <a:xfrm>
-            <a:off x="7067550" y="-32386"/>
-            <a:ext cx="5124451" cy="230832"/>
-          </a:xfrm>
-          <a:prstGeom prst="rect">
-            <a:avLst/>
-          </a:prstGeom>
-          <a:noFill/>
-        </p:spPr>
-        <p:txBody>
-          <a:bodyPr wrap="square" rtlCol="0">
-            <a:spAutoFit/>
-          </a:bodyPr>
-          <a:lstStyle/>
-          <a:p>
-            <a:pPr algn="r"/>
-            <a:r>
-              <a:rPr lang="en-US" sz="900" dirty="0"/>
-              <a:t>https://www.pyimagesearch.com/2017/03/20/imagenet-vggnet-resnet-inception-xception-keras/</a:t>
-            </a:r>
-            <a:endParaRPr lang="en-SG" sz="900" dirty="0"/>
-          </a:p>
-        </p:txBody>
-      </p:sp>
     </p:spTree>
     <p:extLst>
       <p:ext uri="{BB962C8B-B14F-4D97-AF65-F5344CB8AC3E}">
-        <p14:creationId xmlns:p14="http://schemas.microsoft.com/office/powerpoint/2010/main" val="1797530121"/>
+        <p14:creationId xmlns:p14="http://schemas.microsoft.com/office/powerpoint/2010/main" val="628111125"/>
       </p:ext>
     </p:extLst>
   </p:cSld>
@@ -6562,23 +5862,8 @@
                   </a:solidFill>
                   <a:latin typeface="Trebuchet MS" panose="020B0603020202020204" pitchFamily="34" charset="0"/>
                 </a:rPr>
-                <a:t>CNN – </a:t>
+                <a:t>Model Training History -20 Epochs</a:t>
               </a:r>
-              <a:r>
-                <a:rPr lang="en-US" sz="4400" dirty="0" err="1">
-                  <a:solidFill>
-                    <a:schemeClr val="bg1"/>
-                  </a:solidFill>
-                  <a:latin typeface="Trebuchet MS" panose="020B0603020202020204" pitchFamily="34" charset="0"/>
-                </a:rPr>
-                <a:t>InceptionNet</a:t>
-              </a:r>
-              <a:endParaRPr lang="en-US" sz="4400" dirty="0">
-                <a:solidFill>
-                  <a:schemeClr val="bg1"/>
-                </a:solidFill>
-                <a:latin typeface="Trebuchet MS" panose="020B0603020202020204" pitchFamily="34" charset="0"/>
-              </a:endParaRPr>
             </a:p>
             <a:p>
               <a:endParaRPr lang="en-US" sz="4400" dirty="0">
@@ -6596,7 +5881,7 @@
           <p:cNvPr id="3" name="Picture 2">
             <a:extLst>
               <a:ext uri="{FF2B5EF4-FFF2-40B4-BE49-F238E27FC236}">
-                <a16:creationId xmlns:a16="http://schemas.microsoft.com/office/drawing/2014/main" id="{44B801F9-EA3B-481D-BBFF-4843A1658E70}"/>
+                <a16:creationId xmlns:a16="http://schemas.microsoft.com/office/drawing/2014/main" id="{12B847E6-442E-4DE8-9BD5-91523DF86523}"/>
               </a:ext>
             </a:extLst>
           </p:cNvPr>
@@ -6619,61 +5904,20 @@
         </p:blipFill>
         <p:spPr>
           <a:xfrm>
-            <a:off x="257175" y="411436"/>
-            <a:ext cx="6053613" cy="3381375"/>
+            <a:off x="1169567" y="0"/>
+            <a:ext cx="4027412" cy="2684941"/>
           </a:xfrm>
           <a:prstGeom prst="rect">
             <a:avLst/>
           </a:prstGeom>
         </p:spPr>
       </p:pic>
-      <p:sp>
-        <p:nvSpPr>
-          <p:cNvPr id="12" name="TextBox 11">
-            <a:extLst>
-              <a:ext uri="{FF2B5EF4-FFF2-40B4-BE49-F238E27FC236}">
-                <a16:creationId xmlns:a16="http://schemas.microsoft.com/office/drawing/2014/main" id="{937F5F3A-3EEA-4073-BFDA-BCC3B0BD7C7C}"/>
-              </a:ext>
-            </a:extLst>
-          </p:cNvPr>
-          <p:cNvSpPr txBox="1"/>
-          <p:nvPr/>
-        </p:nvSpPr>
-        <p:spPr>
-          <a:xfrm>
-            <a:off x="7067550" y="-32386"/>
-            <a:ext cx="5124451" cy="230832"/>
-          </a:xfrm>
-          <a:prstGeom prst="rect">
-            <a:avLst/>
-          </a:prstGeom>
-          <a:noFill/>
-        </p:spPr>
-        <p:txBody>
-          <a:bodyPr wrap="square" rtlCol="0">
-            <a:spAutoFit/>
-          </a:bodyPr>
-          <a:lstStyle/>
-          <a:p>
-            <a:pPr algn="r"/>
-            <a:r>
-              <a:rPr lang="en-US" sz="900" dirty="0" err="1"/>
-              <a:t>Source:https</a:t>
-            </a:r>
-            <a:r>
-              <a:rPr lang="en-US" sz="900" dirty="0"/>
-              <a:t>://towardsdatascience.com/the-w3h-of-alexnet-vggnet-resnet-and-inception-7baaaecccc96</a:t>
-            </a:r>
-            <a:endParaRPr lang="en-SG" sz="900" dirty="0"/>
-          </a:p>
-        </p:txBody>
-      </p:sp>
       <p:pic>
         <p:nvPicPr>
-          <p:cNvPr id="14" name="Picture 13">
-            <a:extLst>
-              <a:ext uri="{FF2B5EF4-FFF2-40B4-BE49-F238E27FC236}">
-                <a16:creationId xmlns:a16="http://schemas.microsoft.com/office/drawing/2014/main" id="{712265A7-50CA-45D0-BD22-81CD803636DD}"/>
+          <p:cNvPr id="12" name="Picture 11">
+            <a:extLst>
+              <a:ext uri="{FF2B5EF4-FFF2-40B4-BE49-F238E27FC236}">
+                <a16:creationId xmlns:a16="http://schemas.microsoft.com/office/drawing/2014/main" id="{969B2213-B4A8-4EFC-9DCE-377FB990ABDA}"/>
               </a:ext>
             </a:extLst>
           </p:cNvPr>
@@ -6682,183 +5926,104 @@
           </p:cNvPicPr>
           <p:nvPr/>
         </p:nvPicPr>
-        <p:blipFill rotWithShape="1">
-          <a:blip r:embed="rId3"/>
-          <a:srcRect r="5462"/>
-          <a:stretch/>
+        <p:blipFill>
+          <a:blip r:embed="rId3">
+            <a:extLst>
+              <a:ext uri="{28A0092B-C50C-407E-A947-70E740481C1C}">
+                <a14:useLocalDpi xmlns:a14="http://schemas.microsoft.com/office/drawing/2010/main" val="0"/>
+              </a:ext>
+            </a:extLst>
+          </a:blip>
+          <a:stretch>
+            <a:fillRect/>
+          </a:stretch>
         </p:blipFill>
         <p:spPr>
           <a:xfrm>
-            <a:off x="6421961" y="411436"/>
-            <a:ext cx="5770039" cy="3262312"/>
+            <a:off x="7126048" y="0"/>
+            <a:ext cx="4023216" cy="2684941"/>
           </a:xfrm>
           <a:prstGeom prst="rect">
             <a:avLst/>
           </a:prstGeom>
         </p:spPr>
       </p:pic>
-      <p:sp>
-        <p:nvSpPr>
-          <p:cNvPr id="16" name="TextBox 15">
-            <a:extLst>
-              <a:ext uri="{FF2B5EF4-FFF2-40B4-BE49-F238E27FC236}">
-                <a16:creationId xmlns:a16="http://schemas.microsoft.com/office/drawing/2014/main" id="{2BF6D6EF-DE7A-431C-BD51-F3798073DED2}"/>
-              </a:ext>
-            </a:extLst>
-          </p:cNvPr>
-          <p:cNvSpPr txBox="1"/>
+      <p:pic>
+        <p:nvPicPr>
+          <p:cNvPr id="14" name="Picture 13">
+            <a:extLst>
+              <a:ext uri="{FF2B5EF4-FFF2-40B4-BE49-F238E27FC236}">
+                <a16:creationId xmlns:a16="http://schemas.microsoft.com/office/drawing/2014/main" id="{A024C10F-1045-422A-BDDB-9422DF797ECF}"/>
+              </a:ext>
+            </a:extLst>
+          </p:cNvPr>
+          <p:cNvPicPr>
+            <a:picLocks noChangeAspect="1"/>
+          </p:cNvPicPr>
           <p:nvPr/>
-        </p:nvSpPr>
+        </p:nvPicPr>
+        <p:blipFill>
+          <a:blip r:embed="rId4">
+            <a:extLst>
+              <a:ext uri="{28A0092B-C50C-407E-A947-70E740481C1C}">
+                <a14:useLocalDpi xmlns:a14="http://schemas.microsoft.com/office/drawing/2010/main" val="0"/>
+              </a:ext>
+            </a:extLst>
+          </a:blip>
+          <a:stretch>
+            <a:fillRect/>
+          </a:stretch>
+        </p:blipFill>
         <p:spPr>
           <a:xfrm>
-            <a:off x="6927056" y="4259962"/>
-            <a:ext cx="4722211" cy="1477328"/>
+            <a:off x="7126048" y="2877424"/>
+            <a:ext cx="4023216" cy="2684941"/>
           </a:xfrm>
           <a:prstGeom prst="rect">
             <a:avLst/>
           </a:prstGeom>
-          <a:noFill/>
         </p:spPr>
-        <p:txBody>
-          <a:bodyPr wrap="square" rtlCol="0">
-            <a:spAutoFit/>
-          </a:bodyPr>
-          <a:lstStyle/>
-          <a:p>
-            <a:r>
-              <a:rPr lang="en-US" dirty="0"/>
-              <a:t>Simultaneous 3x3, 5x5, and 1x1 neural nets</a:t>
-            </a:r>
-          </a:p>
-          <a:p>
-            <a:endParaRPr lang="en-US" dirty="0"/>
-          </a:p>
-          <a:p>
-            <a:r>
-              <a:rPr lang="en-US" dirty="0"/>
-              <a:t>Retains many of the 3x3 layers</a:t>
-            </a:r>
-          </a:p>
-          <a:p>
-            <a:endParaRPr lang="en-US" dirty="0"/>
-          </a:p>
-          <a:p>
-            <a:r>
-              <a:rPr lang="en-US" dirty="0"/>
-              <a:t>ImageNet: pre-training</a:t>
-            </a:r>
-            <a:endParaRPr lang="en-SG" dirty="0"/>
-          </a:p>
-        </p:txBody>
-      </p:sp>
-      <p:sp>
-        <p:nvSpPr>
-          <p:cNvPr id="18" name="Rectangle: Rounded Corners 17">
-            <a:extLst>
-              <a:ext uri="{FF2B5EF4-FFF2-40B4-BE49-F238E27FC236}">
-                <a16:creationId xmlns:a16="http://schemas.microsoft.com/office/drawing/2014/main" id="{7FBE86F9-467A-44F1-AA22-7ADB76120DCC}"/>
-              </a:ext>
-            </a:extLst>
-          </p:cNvPr>
-          <p:cNvSpPr/>
+      </p:pic>
+      <p:pic>
+        <p:nvPicPr>
+          <p:cNvPr id="16" name="Picture 15">
+            <a:extLst>
+              <a:ext uri="{FF2B5EF4-FFF2-40B4-BE49-F238E27FC236}">
+                <a16:creationId xmlns:a16="http://schemas.microsoft.com/office/drawing/2014/main" id="{1A607BC2-C9C2-4E13-B241-7BF827603213}"/>
+              </a:ext>
+            </a:extLst>
+          </p:cNvPr>
+          <p:cNvPicPr>
+            <a:picLocks noChangeAspect="1"/>
+          </p:cNvPicPr>
           <p:nvPr/>
-        </p:nvSpPr>
+        </p:nvPicPr>
+        <p:blipFill>
+          <a:blip r:embed="rId5">
+            <a:extLst>
+              <a:ext uri="{28A0092B-C50C-407E-A947-70E740481C1C}">
+                <a14:useLocalDpi xmlns:a14="http://schemas.microsoft.com/office/drawing/2010/main" val="0"/>
+              </a:ext>
+            </a:extLst>
+          </a:blip>
+          <a:stretch>
+            <a:fillRect/>
+          </a:stretch>
+        </p:blipFill>
         <p:spPr>
           <a:xfrm>
-            <a:off x="10578518" y="3028950"/>
-            <a:ext cx="422858" cy="400049"/>
+            <a:off x="1211178" y="2877424"/>
+            <a:ext cx="4027411" cy="2684941"/>
           </a:xfrm>
-          <a:prstGeom prst="roundRect">
+          <a:prstGeom prst="rect">
             <a:avLst/>
           </a:prstGeom>
-          <a:noFill/>
-          <a:ln w="31750">
-            <a:solidFill>
-              <a:srgbClr val="FF0000"/>
-            </a:solidFill>
-          </a:ln>
         </p:spPr>
-        <p:style>
-          <a:lnRef idx="2">
-            <a:schemeClr val="accent1">
-              <a:shade val="50000"/>
-            </a:schemeClr>
-          </a:lnRef>
-          <a:fillRef idx="1">
-            <a:schemeClr val="accent1"/>
-          </a:fillRef>
-          <a:effectRef idx="0">
-            <a:schemeClr val="accent1"/>
-          </a:effectRef>
-          <a:fontRef idx="minor">
-            <a:schemeClr val="lt1"/>
-          </a:fontRef>
-        </p:style>
-        <p:txBody>
-          <a:bodyPr rtlCol="0" anchor="ctr"/>
-          <a:lstStyle/>
-          <a:p>
-            <a:pPr algn="ctr"/>
-            <a:endParaRPr lang="en-SG"/>
-          </a:p>
-        </p:txBody>
-      </p:sp>
-      <p:sp>
-        <p:nvSpPr>
-          <p:cNvPr id="20" name="Rectangle: Rounded Corners 19">
-            <a:extLst>
-              <a:ext uri="{FF2B5EF4-FFF2-40B4-BE49-F238E27FC236}">
-                <a16:creationId xmlns:a16="http://schemas.microsoft.com/office/drawing/2014/main" id="{9A5A19B3-0FE7-447B-B5D1-376476BC30CF}"/>
-              </a:ext>
-            </a:extLst>
-          </p:cNvPr>
-          <p:cNvSpPr/>
-          <p:nvPr/>
-        </p:nvSpPr>
-        <p:spPr>
-          <a:xfrm>
-            <a:off x="10578517" y="1902098"/>
-            <a:ext cx="422858" cy="400049"/>
-          </a:xfrm>
-          <a:prstGeom prst="roundRect">
-            <a:avLst/>
-          </a:prstGeom>
-          <a:noFill/>
-          <a:ln w="31750">
-            <a:solidFill>
-              <a:srgbClr val="FF0000"/>
-            </a:solidFill>
-          </a:ln>
-        </p:spPr>
-        <p:style>
-          <a:lnRef idx="2">
-            <a:schemeClr val="accent1">
-              <a:shade val="50000"/>
-            </a:schemeClr>
-          </a:lnRef>
-          <a:fillRef idx="1">
-            <a:schemeClr val="accent1"/>
-          </a:fillRef>
-          <a:effectRef idx="0">
-            <a:schemeClr val="accent1"/>
-          </a:effectRef>
-          <a:fontRef idx="minor">
-            <a:schemeClr val="lt1"/>
-          </a:fontRef>
-        </p:style>
-        <p:txBody>
-          <a:bodyPr rtlCol="0" anchor="ctr"/>
-          <a:lstStyle/>
-          <a:p>
-            <a:pPr algn="ctr"/>
-            <a:endParaRPr lang="en-SG"/>
-          </a:p>
-        </p:txBody>
-      </p:sp>
+      </p:pic>
     </p:spTree>
     <p:extLst>
       <p:ext uri="{BB962C8B-B14F-4D97-AF65-F5344CB8AC3E}">
-        <p14:creationId xmlns:p14="http://schemas.microsoft.com/office/powerpoint/2010/main" val="3737787925"/>
+        <p14:creationId xmlns:p14="http://schemas.microsoft.com/office/powerpoint/2010/main" val="1543398352"/>
       </p:ext>
     </p:extLst>
   </p:cSld>
@@ -6885,53 +6050,12 @@
           <a:chExt cx="0" cy="0"/>
         </a:xfrm>
       </p:grpSpPr>
-      <p:sp>
-        <p:nvSpPr>
-          <p:cNvPr id="12" name="TextBox 11">
-            <a:extLst>
-              <a:ext uri="{FF2B5EF4-FFF2-40B4-BE49-F238E27FC236}">
-                <a16:creationId xmlns:a16="http://schemas.microsoft.com/office/drawing/2014/main" id="{937F5F3A-3EEA-4073-BFDA-BCC3B0BD7C7C}"/>
-              </a:ext>
-            </a:extLst>
-          </p:cNvPr>
-          <p:cNvSpPr txBox="1"/>
-          <p:nvPr/>
-        </p:nvSpPr>
-        <p:spPr>
-          <a:xfrm>
-            <a:off x="7067550" y="-32386"/>
-            <a:ext cx="5124451" cy="230832"/>
-          </a:xfrm>
-          <a:prstGeom prst="rect">
-            <a:avLst/>
-          </a:prstGeom>
-          <a:noFill/>
-        </p:spPr>
-        <p:txBody>
-          <a:bodyPr wrap="square" rtlCol="0">
-            <a:spAutoFit/>
-          </a:bodyPr>
-          <a:lstStyle/>
-          <a:p>
-            <a:pPr algn="r"/>
-            <a:r>
-              <a:rPr lang="en-US" sz="900" dirty="0" err="1"/>
-              <a:t>Source:https</a:t>
-            </a:r>
-            <a:r>
-              <a:rPr lang="en-US" sz="900" dirty="0"/>
-              <a:t>://towardsdatascience.com/the-w3h-of-alexnet-vggnet-resnet-and-inception-7baaaecccc96</a:t>
-            </a:r>
-            <a:endParaRPr lang="en-SG" sz="900" dirty="0"/>
-          </a:p>
-        </p:txBody>
-      </p:sp>
       <p:grpSp>
         <p:nvGrpSpPr>
-          <p:cNvPr id="11" name="Group 10">
-            <a:extLst>
-              <a:ext uri="{FF2B5EF4-FFF2-40B4-BE49-F238E27FC236}">
-                <a16:creationId xmlns:a16="http://schemas.microsoft.com/office/drawing/2014/main" id="{CEF64666-44E4-4475-89FE-DCD18B378896}"/>
+          <p:cNvPr id="5" name="Group 4">
+            <a:extLst>
+              <a:ext uri="{FF2B5EF4-FFF2-40B4-BE49-F238E27FC236}">
+                <a16:creationId xmlns:a16="http://schemas.microsoft.com/office/drawing/2014/main" id="{85DF0F99-B6D3-41BD-B2F8-E7DDB3DA33EE}"/>
               </a:ext>
             </a:extLst>
           </p:cNvPr>
@@ -6948,10 +6072,10 @@
         </p:grpSpPr>
         <p:sp>
           <p:nvSpPr>
-            <p:cNvPr id="13" name="Rectangle: Rounded Corners 12">
+            <p:cNvPr id="6" name="Rectangle: Rounded Corners 5">
               <a:extLst>
                 <a:ext uri="{FF2B5EF4-FFF2-40B4-BE49-F238E27FC236}">
-                  <a16:creationId xmlns:a16="http://schemas.microsoft.com/office/drawing/2014/main" id="{8A840F9F-EDBD-41B0-B862-E7E3F6CBE8AE}"/>
+                  <a16:creationId xmlns:a16="http://schemas.microsoft.com/office/drawing/2014/main" id="{D774C259-7130-4F13-9426-46A2BFB09766}"/>
                 </a:ext>
               </a:extLst>
             </p:cNvPr>
@@ -6999,10 +6123,10 @@
         </p:sp>
         <p:sp>
           <p:nvSpPr>
-            <p:cNvPr id="15" name="TextBox 14">
+            <p:cNvPr id="7" name="TextBox 6">
               <a:extLst>
                 <a:ext uri="{FF2B5EF4-FFF2-40B4-BE49-F238E27FC236}">
-                  <a16:creationId xmlns:a16="http://schemas.microsoft.com/office/drawing/2014/main" id="{1FE7E6FB-A3EB-478D-8B8A-37E63F7D3245}"/>
+                  <a16:creationId xmlns:a16="http://schemas.microsoft.com/office/drawing/2014/main" id="{0E346DCA-86F8-4009-A47D-457AB47EC234}"/>
                 </a:ext>
               </a:extLst>
             </p:cNvPr>
@@ -7032,7 +6156,7 @@
                   </a:solidFill>
                   <a:latin typeface="Trebuchet MS" panose="020B0603020202020204" pitchFamily="34" charset="0"/>
                 </a:rPr>
-                <a:t>Model Comparison</a:t>
+                <a:t>Model Training History -20 Epochs</a:t>
               </a:r>
             </a:p>
             <a:p>
@@ -7048,15 +6172,15 @@
       </p:grpSp>
       <p:pic>
         <p:nvPicPr>
-          <p:cNvPr id="10242" name="Picture 2" descr="Image for post">
-            <a:extLst>
-              <a:ext uri="{FF2B5EF4-FFF2-40B4-BE49-F238E27FC236}">
-                <a16:creationId xmlns:a16="http://schemas.microsoft.com/office/drawing/2014/main" id="{D28C56E3-73D5-4F3C-8437-6F4B9F0C9A71}"/>
+          <p:cNvPr id="4" name="Picture 3">
+            <a:extLst>
+              <a:ext uri="{FF2B5EF4-FFF2-40B4-BE49-F238E27FC236}">
+                <a16:creationId xmlns:a16="http://schemas.microsoft.com/office/drawing/2014/main" id="{9BF4281A-B51D-41D8-9CC0-AA1CFA8EF182}"/>
               </a:ext>
             </a:extLst>
           </p:cNvPr>
           <p:cNvPicPr>
-            <a:picLocks noChangeAspect="1" noChangeArrowheads="1"/>
+            <a:picLocks noChangeAspect="1"/>
           </p:cNvPicPr>
           <p:nvPr/>
         </p:nvPicPr>
@@ -7068,35 +6192,132 @@
               </a:ext>
             </a:extLst>
           </a:blip>
-          <a:srcRect/>
           <a:stretch>
             <a:fillRect/>
           </a:stretch>
         </p:blipFill>
-        <p:spPr bwMode="auto">
+        <p:spPr>
           <a:xfrm>
-            <a:off x="1281112" y="2109608"/>
-            <a:ext cx="9629775" cy="1986141"/>
+            <a:off x="1296056" y="59382"/>
+            <a:ext cx="3938338" cy="2625559"/>
           </a:xfrm>
           <a:prstGeom prst="rect">
             <a:avLst/>
           </a:prstGeom>
-          <a:noFill/>
-          <a:extLst>
-            <a:ext uri="{909E8E84-426E-40DD-AFC4-6F175D3DCCD1}">
-              <a14:hiddenFill xmlns:a14="http://schemas.microsoft.com/office/drawing/2010/main">
-                <a:solidFill>
-                  <a:srgbClr val="FFFFFF"/>
-                </a:solidFill>
-              </a14:hiddenFill>
-            </a:ext>
-          </a:extLst>
+        </p:spPr>
+      </p:pic>
+      <p:pic>
+        <p:nvPicPr>
+          <p:cNvPr id="9" name="Picture 8">
+            <a:extLst>
+              <a:ext uri="{FF2B5EF4-FFF2-40B4-BE49-F238E27FC236}">
+                <a16:creationId xmlns:a16="http://schemas.microsoft.com/office/drawing/2014/main" id="{6840E999-B62A-4AF6-A81D-D488067E1B59}"/>
+              </a:ext>
+            </a:extLst>
+          </p:cNvPr>
+          <p:cNvPicPr>
+            <a:picLocks noChangeAspect="1"/>
+          </p:cNvPicPr>
+          <p:nvPr/>
+        </p:nvPicPr>
+        <p:blipFill>
+          <a:blip r:embed="rId3">
+            <a:extLst>
+              <a:ext uri="{28A0092B-C50C-407E-A947-70E740481C1C}">
+                <a14:useLocalDpi xmlns:a14="http://schemas.microsoft.com/office/drawing/2010/main" val="0"/>
+              </a:ext>
+            </a:extLst>
+          </a:blip>
+          <a:stretch>
+            <a:fillRect/>
+          </a:stretch>
+        </p:blipFill>
+        <p:spPr>
+          <a:xfrm>
+            <a:off x="1296056" y="2940255"/>
+            <a:ext cx="4023216" cy="2682144"/>
+          </a:xfrm>
+          <a:prstGeom prst="rect">
+            <a:avLst/>
+          </a:prstGeom>
+        </p:spPr>
+      </p:pic>
+      <p:pic>
+        <p:nvPicPr>
+          <p:cNvPr id="11" name="Picture 10">
+            <a:extLst>
+              <a:ext uri="{FF2B5EF4-FFF2-40B4-BE49-F238E27FC236}">
+                <a16:creationId xmlns:a16="http://schemas.microsoft.com/office/drawing/2014/main" id="{3F645F46-FC43-4596-9E4E-0FAE487F5033}"/>
+              </a:ext>
+            </a:extLst>
+          </p:cNvPr>
+          <p:cNvPicPr>
+            <a:picLocks noChangeAspect="1"/>
+          </p:cNvPicPr>
+          <p:nvPr/>
+        </p:nvPicPr>
+        <p:blipFill>
+          <a:blip r:embed="rId4">
+            <a:extLst>
+              <a:ext uri="{28A0092B-C50C-407E-A947-70E740481C1C}">
+                <a14:useLocalDpi xmlns:a14="http://schemas.microsoft.com/office/drawing/2010/main" val="0"/>
+              </a:ext>
+            </a:extLst>
+          </a:blip>
+          <a:stretch>
+            <a:fillRect/>
+          </a:stretch>
+        </p:blipFill>
+        <p:spPr>
+          <a:xfrm>
+            <a:off x="7291007" y="0"/>
+            <a:ext cx="3934236" cy="2625559"/>
+          </a:xfrm>
+          <a:prstGeom prst="rect">
+            <a:avLst/>
+          </a:prstGeom>
+        </p:spPr>
+      </p:pic>
+      <p:pic>
+        <p:nvPicPr>
+          <p:cNvPr id="15" name="Picture 14">
+            <a:extLst>
+              <a:ext uri="{FF2B5EF4-FFF2-40B4-BE49-F238E27FC236}">
+                <a16:creationId xmlns:a16="http://schemas.microsoft.com/office/drawing/2014/main" id="{C926C1A9-7C29-4F33-B33B-19B0FAB1F20E}"/>
+              </a:ext>
+            </a:extLst>
+          </p:cNvPr>
+          <p:cNvPicPr>
+            <a:picLocks noChangeAspect="1"/>
+          </p:cNvPicPr>
+          <p:nvPr/>
+        </p:nvPicPr>
+        <p:blipFill>
+          <a:blip r:embed="rId5">
+            <a:extLst>
+              <a:ext uri="{28A0092B-C50C-407E-A947-70E740481C1C}">
+                <a14:useLocalDpi xmlns:a14="http://schemas.microsoft.com/office/drawing/2010/main" val="0"/>
+              </a:ext>
+            </a:extLst>
+          </a:blip>
+          <a:stretch>
+            <a:fillRect/>
+          </a:stretch>
+        </p:blipFill>
+        <p:spPr>
+          <a:xfrm>
+            <a:off x="7286905" y="2918293"/>
+            <a:ext cx="3938338" cy="2628297"/>
+          </a:xfrm>
+          <a:prstGeom prst="rect">
+            <a:avLst/>
+          </a:prstGeom>
         </p:spPr>
       </p:pic>
     </p:spTree>
     <p:extLst>
       <p:ext uri="{BB962C8B-B14F-4D97-AF65-F5344CB8AC3E}">
-        <p14:creationId xmlns:p14="http://schemas.microsoft.com/office/powerpoint/2010/main" val="3246166231"/>
+        <p14:creationId xmlns:p14="http://schemas.microsoft.com/office/powerpoint/2010/main" val="419603171"/>
       </p:ext>
     </p:extLst>
   </p:cSld>

--- a/carvana-image-masking-challenge/Slides.pptx
+++ b/carvana-image-masking-challenge/Slides.pptx
@@ -15,9 +15,8 @@
     <p:sldId id="268" r:id="rId9"/>
     <p:sldId id="273" r:id="rId10"/>
     <p:sldId id="274" r:id="rId11"/>
-    <p:sldId id="275" r:id="rId12"/>
-    <p:sldId id="276" r:id="rId13"/>
-    <p:sldId id="267" r:id="rId14"/>
+    <p:sldId id="267" r:id="rId12"/>
+    <p:sldId id="275" r:id="rId13"/>
   </p:sldIdLst>
   <p:sldSz cx="12192000" cy="6858000"/>
   <p:notesSz cx="6858000" cy="9144000"/>
@@ -3822,6 +3821,232 @@
         <p:grpSpPr>
           <a:xfrm>
             <a:off x="-184558" y="5754848"/>
+            <a:ext cx="10763075" cy="1191236"/>
+            <a:chOff x="-184558" y="5754848"/>
+            <a:chExt cx="10763075" cy="1191236"/>
+          </a:xfrm>
+        </p:grpSpPr>
+        <p:sp>
+          <p:nvSpPr>
+            <p:cNvPr id="6" name="Rectangle: Rounded Corners 5">
+              <a:extLst>
+                <a:ext uri="{FF2B5EF4-FFF2-40B4-BE49-F238E27FC236}">
+                  <a16:creationId xmlns:a16="http://schemas.microsoft.com/office/drawing/2014/main" id="{D774C259-7130-4F13-9426-46A2BFB09766}"/>
+                </a:ext>
+              </a:extLst>
+            </p:cNvPr>
+            <p:cNvSpPr/>
+            <p:nvPr/>
+          </p:nvSpPr>
+          <p:spPr>
+            <a:xfrm>
+              <a:off x="-184558" y="5754848"/>
+              <a:ext cx="10763075" cy="1191236"/>
+            </a:xfrm>
+            <a:prstGeom prst="roundRect">
+              <a:avLst/>
+            </a:prstGeom>
+            <a:solidFill>
+              <a:schemeClr val="accent1">
+                <a:lumMod val="75000"/>
+              </a:schemeClr>
+            </a:solidFill>
+          </p:spPr>
+          <p:style>
+            <a:lnRef idx="2">
+              <a:schemeClr val="accent1">
+                <a:shade val="50000"/>
+              </a:schemeClr>
+            </a:lnRef>
+            <a:fillRef idx="1">
+              <a:schemeClr val="accent1"/>
+            </a:fillRef>
+            <a:effectRef idx="0">
+              <a:schemeClr val="accent1"/>
+            </a:effectRef>
+            <a:fontRef idx="minor">
+              <a:schemeClr val="lt1"/>
+            </a:fontRef>
+          </p:style>
+          <p:txBody>
+            <a:bodyPr rtlCol="0" anchor="ctr"/>
+            <a:lstStyle/>
+            <a:p>
+              <a:pPr algn="ctr"/>
+              <a:endParaRPr lang="en-SG"/>
+            </a:p>
+          </p:txBody>
+        </p:sp>
+        <p:sp>
+          <p:nvSpPr>
+            <p:cNvPr id="7" name="TextBox 6">
+              <a:extLst>
+                <a:ext uri="{FF2B5EF4-FFF2-40B4-BE49-F238E27FC236}">
+                  <a16:creationId xmlns:a16="http://schemas.microsoft.com/office/drawing/2014/main" id="{0E346DCA-86F8-4009-A47D-457AB47EC234}"/>
+                </a:ext>
+              </a:extLst>
+            </p:cNvPr>
+            <p:cNvSpPr txBox="1"/>
+            <p:nvPr/>
+          </p:nvSpPr>
+          <p:spPr>
+            <a:xfrm>
+              <a:off x="323850" y="5754848"/>
+              <a:ext cx="8934275" cy="769441"/>
+            </a:xfrm>
+            <a:prstGeom prst="rect">
+              <a:avLst/>
+            </a:prstGeom>
+            <a:noFill/>
+          </p:spPr>
+          <p:txBody>
+            <a:bodyPr wrap="square" rtlCol="0">
+              <a:spAutoFit/>
+            </a:bodyPr>
+            <a:lstStyle/>
+            <a:p>
+              <a:r>
+                <a:rPr lang="en-US" sz="4400" dirty="0">
+                  <a:solidFill>
+                    <a:schemeClr val="bg1"/>
+                  </a:solidFill>
+                  <a:latin typeface="Trebuchet MS" panose="020B0603020202020204" pitchFamily="34" charset="0"/>
+                </a:rPr>
+                <a:t>U Net</a:t>
+              </a:r>
+            </a:p>
+          </p:txBody>
+        </p:sp>
+      </p:grpSp>
+      <p:pic>
+        <p:nvPicPr>
+          <p:cNvPr id="1028" name="Picture 4">
+            <a:extLst>
+              <a:ext uri="{FF2B5EF4-FFF2-40B4-BE49-F238E27FC236}">
+                <a16:creationId xmlns:a16="http://schemas.microsoft.com/office/drawing/2014/main" id="{E25740A2-EF93-48CF-9C2E-A632918C8989}"/>
+              </a:ext>
+            </a:extLst>
+          </p:cNvPr>
+          <p:cNvPicPr>
+            <a:picLocks noChangeAspect="1" noChangeArrowheads="1"/>
+          </p:cNvPicPr>
+          <p:nvPr/>
+        </p:nvPicPr>
+        <p:blipFill>
+          <a:blip r:embed="rId2">
+            <a:extLst>
+              <a:ext uri="{28A0092B-C50C-407E-A947-70E740481C1C}">
+                <a14:useLocalDpi xmlns:a14="http://schemas.microsoft.com/office/drawing/2010/main" val="0"/>
+              </a:ext>
+            </a:extLst>
+          </a:blip>
+          <a:srcRect/>
+          <a:stretch>
+            <a:fillRect/>
+          </a:stretch>
+        </p:blipFill>
+        <p:spPr bwMode="auto">
+          <a:xfrm>
+            <a:off x="0" y="0"/>
+            <a:ext cx="6886311" cy="4588042"/>
+          </a:xfrm>
+          <a:prstGeom prst="rect">
+            <a:avLst/>
+          </a:prstGeom>
+          <a:noFill/>
+          <a:extLst>
+            <a:ext uri="{909E8E84-426E-40DD-AFC4-6F175D3DCCD1}">
+              <a14:hiddenFill xmlns:a14="http://schemas.microsoft.com/office/drawing/2010/main">
+                <a:solidFill>
+                  <a:srgbClr val="FFFFFF"/>
+                </a:solidFill>
+              </a14:hiddenFill>
+            </a:ext>
+          </a:extLst>
+        </p:spPr>
+      </p:pic>
+      <p:sp>
+        <p:nvSpPr>
+          <p:cNvPr id="8" name="TextBox 7">
+            <a:extLst>
+              <a:ext uri="{FF2B5EF4-FFF2-40B4-BE49-F238E27FC236}">
+                <a16:creationId xmlns:a16="http://schemas.microsoft.com/office/drawing/2014/main" id="{DD1A48A5-7E82-4357-8825-DF0BF5C44A1C}"/>
+              </a:ext>
+            </a:extLst>
+          </p:cNvPr>
+          <p:cNvSpPr txBox="1"/>
+          <p:nvPr/>
+        </p:nvSpPr>
+        <p:spPr>
+          <a:xfrm>
+            <a:off x="4210051" y="0"/>
+            <a:ext cx="7981949" cy="230832"/>
+          </a:xfrm>
+          <a:prstGeom prst="rect">
+            <a:avLst/>
+          </a:prstGeom>
+          <a:noFill/>
+        </p:spPr>
+        <p:txBody>
+          <a:bodyPr wrap="square" rtlCol="0">
+            <a:spAutoFit/>
+          </a:bodyPr>
+          <a:lstStyle/>
+          <a:p>
+            <a:pPr algn="r"/>
+            <a:r>
+              <a:rPr lang="en-US" sz="900" dirty="0"/>
+              <a:t>https://lmb.informatik.uni-freiburg.de/people/ronneber/u-net/</a:t>
+            </a:r>
+            <a:endParaRPr lang="en-SG" sz="900" dirty="0"/>
+          </a:p>
+        </p:txBody>
+      </p:sp>
+    </p:spTree>
+    <p:extLst>
+      <p:ext uri="{BB962C8B-B14F-4D97-AF65-F5344CB8AC3E}">
+        <p14:creationId xmlns:p14="http://schemas.microsoft.com/office/powerpoint/2010/main" val="2160445923"/>
+      </p:ext>
+    </p:extLst>
+  </p:cSld>
+  <p:clrMapOvr>
+    <a:masterClrMapping/>
+  </p:clrMapOvr>
+</p:sld>
+</file>
+
+<file path=ppt/slides/slide12.xml><?xml version="1.0" encoding="utf-8"?>
+<p:sld xmlns:a="http://schemas.openxmlformats.org/drawingml/2006/main" xmlns:r="http://schemas.openxmlformats.org/officeDocument/2006/relationships" xmlns:p="http://schemas.openxmlformats.org/presentationml/2006/main">
+  <p:cSld>
+    <p:spTree>
+      <p:nvGrpSpPr>
+        <p:cNvPr id="1" name=""/>
+        <p:cNvGrpSpPr/>
+        <p:nvPr/>
+      </p:nvGrpSpPr>
+      <p:grpSpPr>
+        <a:xfrm>
+          <a:off x="0" y="0"/>
+          <a:ext cx="0" cy="0"/>
+          <a:chOff x="0" y="0"/>
+          <a:chExt cx="0" cy="0"/>
+        </a:xfrm>
+      </p:grpSpPr>
+      <p:grpSp>
+        <p:nvGrpSpPr>
+          <p:cNvPr id="5" name="Group 4">
+            <a:extLst>
+              <a:ext uri="{FF2B5EF4-FFF2-40B4-BE49-F238E27FC236}">
+                <a16:creationId xmlns:a16="http://schemas.microsoft.com/office/drawing/2014/main" id="{85DF0F99-B6D3-41BD-B2F8-E7DDB3DA33EE}"/>
+              </a:ext>
+            </a:extLst>
+          </p:cNvPr>
+          <p:cNvGrpSpPr/>
+          <p:nvPr/>
+        </p:nvGrpSpPr>
+        <p:grpSpPr>
+          <a:xfrm>
+            <a:off x="-184558" y="5754848"/>
             <a:ext cx="10763075" cy="1446550"/>
             <a:chOff x="-184558" y="5754848"/>
             <a:chExt cx="10763075" cy="1446550"/>
@@ -3940,313 +4165,6 @@
 </p:sld>
 </file>
 
-<file path=ppt/slides/slide12.xml><?xml version="1.0" encoding="utf-8"?>
-<p:sld xmlns:a="http://schemas.openxmlformats.org/drawingml/2006/main" xmlns:r="http://schemas.openxmlformats.org/officeDocument/2006/relationships" xmlns:p="http://schemas.openxmlformats.org/presentationml/2006/main">
-  <p:cSld>
-    <p:spTree>
-      <p:nvGrpSpPr>
-        <p:cNvPr id="1" name=""/>
-        <p:cNvGrpSpPr/>
-        <p:nvPr/>
-      </p:nvGrpSpPr>
-      <p:grpSpPr>
-        <a:xfrm>
-          <a:off x="0" y="0"/>
-          <a:ext cx="0" cy="0"/>
-          <a:chOff x="0" y="0"/>
-          <a:chExt cx="0" cy="0"/>
-        </a:xfrm>
-      </p:grpSpPr>
-      <p:grpSp>
-        <p:nvGrpSpPr>
-          <p:cNvPr id="5" name="Group 4">
-            <a:extLst>
-              <a:ext uri="{FF2B5EF4-FFF2-40B4-BE49-F238E27FC236}">
-                <a16:creationId xmlns:a16="http://schemas.microsoft.com/office/drawing/2014/main" id="{85DF0F99-B6D3-41BD-B2F8-E7DDB3DA33EE}"/>
-              </a:ext>
-            </a:extLst>
-          </p:cNvPr>
-          <p:cNvGrpSpPr/>
-          <p:nvPr/>
-        </p:nvGrpSpPr>
-        <p:grpSpPr>
-          <a:xfrm>
-            <a:off x="-184558" y="5754848"/>
-            <a:ext cx="10763075" cy="1446550"/>
-            <a:chOff x="-184558" y="5754848"/>
-            <a:chExt cx="10763075" cy="1446550"/>
-          </a:xfrm>
-        </p:grpSpPr>
-        <p:sp>
-          <p:nvSpPr>
-            <p:cNvPr id="6" name="Rectangle: Rounded Corners 5">
-              <a:extLst>
-                <a:ext uri="{FF2B5EF4-FFF2-40B4-BE49-F238E27FC236}">
-                  <a16:creationId xmlns:a16="http://schemas.microsoft.com/office/drawing/2014/main" id="{D774C259-7130-4F13-9426-46A2BFB09766}"/>
-                </a:ext>
-              </a:extLst>
-            </p:cNvPr>
-            <p:cNvSpPr/>
-            <p:nvPr/>
-          </p:nvSpPr>
-          <p:spPr>
-            <a:xfrm>
-              <a:off x="-184558" y="5754848"/>
-              <a:ext cx="10763075" cy="1191236"/>
-            </a:xfrm>
-            <a:prstGeom prst="roundRect">
-              <a:avLst/>
-            </a:prstGeom>
-            <a:solidFill>
-              <a:schemeClr val="accent1">
-                <a:lumMod val="75000"/>
-              </a:schemeClr>
-            </a:solidFill>
-          </p:spPr>
-          <p:style>
-            <a:lnRef idx="2">
-              <a:schemeClr val="accent1">
-                <a:shade val="50000"/>
-              </a:schemeClr>
-            </a:lnRef>
-            <a:fillRef idx="1">
-              <a:schemeClr val="accent1"/>
-            </a:fillRef>
-            <a:effectRef idx="0">
-              <a:schemeClr val="accent1"/>
-            </a:effectRef>
-            <a:fontRef idx="minor">
-              <a:schemeClr val="lt1"/>
-            </a:fontRef>
-          </p:style>
-          <p:txBody>
-            <a:bodyPr rtlCol="0" anchor="ctr"/>
-            <a:lstStyle/>
-            <a:p>
-              <a:pPr algn="ctr"/>
-              <a:endParaRPr lang="en-SG"/>
-            </a:p>
-          </p:txBody>
-        </p:sp>
-        <p:sp>
-          <p:nvSpPr>
-            <p:cNvPr id="7" name="TextBox 6">
-              <a:extLst>
-                <a:ext uri="{FF2B5EF4-FFF2-40B4-BE49-F238E27FC236}">
-                  <a16:creationId xmlns:a16="http://schemas.microsoft.com/office/drawing/2014/main" id="{0E346DCA-86F8-4009-A47D-457AB47EC234}"/>
-                </a:ext>
-              </a:extLst>
-            </p:cNvPr>
-            <p:cNvSpPr txBox="1"/>
-            <p:nvPr/>
-          </p:nvSpPr>
-          <p:spPr>
-            <a:xfrm>
-              <a:off x="323850" y="5754848"/>
-              <a:ext cx="8934275" cy="1446550"/>
-            </a:xfrm>
-            <a:prstGeom prst="rect">
-              <a:avLst/>
-            </a:prstGeom>
-            <a:noFill/>
-          </p:spPr>
-          <p:txBody>
-            <a:bodyPr wrap="square" rtlCol="0">
-              <a:spAutoFit/>
-            </a:bodyPr>
-            <a:lstStyle/>
-            <a:p>
-              <a:r>
-                <a:rPr lang="en-US" sz="4400" dirty="0">
-                  <a:solidFill>
-                    <a:schemeClr val="bg1"/>
-                  </a:solidFill>
-                  <a:latin typeface="Trebuchet MS" panose="020B0603020202020204" pitchFamily="34" charset="0"/>
-                </a:rPr>
-                <a:t>R-</a:t>
-              </a:r>
-              <a:r>
-                <a:rPr lang="en-US" sz="4400" dirty="0" err="1">
-                  <a:solidFill>
-                    <a:schemeClr val="bg1"/>
-                  </a:solidFill>
-                  <a:latin typeface="Trebuchet MS" panose="020B0603020202020204" pitchFamily="34" charset="0"/>
-                </a:rPr>
-                <a:t>CNNet</a:t>
-              </a:r>
-              <a:endParaRPr lang="en-US" sz="4400" dirty="0">
-                <a:solidFill>
-                  <a:schemeClr val="bg1"/>
-                </a:solidFill>
-                <a:latin typeface="Trebuchet MS" panose="020B0603020202020204" pitchFamily="34" charset="0"/>
-              </a:endParaRPr>
-            </a:p>
-            <a:p>
-              <a:endParaRPr lang="en-US" sz="4400" dirty="0">
-                <a:solidFill>
-                  <a:schemeClr val="bg1"/>
-                </a:solidFill>
-                <a:latin typeface="Trebuchet MS" panose="020B0603020202020204" pitchFamily="34" charset="0"/>
-              </a:endParaRPr>
-            </a:p>
-          </p:txBody>
-        </p:sp>
-      </p:grpSp>
-    </p:spTree>
-    <p:extLst>
-      <p:ext uri="{BB962C8B-B14F-4D97-AF65-F5344CB8AC3E}">
-        <p14:creationId xmlns:p14="http://schemas.microsoft.com/office/powerpoint/2010/main" val="566348578"/>
-      </p:ext>
-    </p:extLst>
-  </p:cSld>
-  <p:clrMapOvr>
-    <a:masterClrMapping/>
-  </p:clrMapOvr>
-</p:sld>
-</file>
-
-<file path=ppt/slides/slide13.xml><?xml version="1.0" encoding="utf-8"?>
-<p:sld xmlns:a="http://schemas.openxmlformats.org/drawingml/2006/main" xmlns:r="http://schemas.openxmlformats.org/officeDocument/2006/relationships" xmlns:p="http://schemas.openxmlformats.org/presentationml/2006/main">
-  <p:cSld>
-    <p:spTree>
-      <p:nvGrpSpPr>
-        <p:cNvPr id="1" name=""/>
-        <p:cNvGrpSpPr/>
-        <p:nvPr/>
-      </p:nvGrpSpPr>
-      <p:grpSpPr>
-        <a:xfrm>
-          <a:off x="0" y="0"/>
-          <a:ext cx="0" cy="0"/>
-          <a:chOff x="0" y="0"/>
-          <a:chExt cx="0" cy="0"/>
-        </a:xfrm>
-      </p:grpSpPr>
-      <p:grpSp>
-        <p:nvGrpSpPr>
-          <p:cNvPr id="5" name="Group 4">
-            <a:extLst>
-              <a:ext uri="{FF2B5EF4-FFF2-40B4-BE49-F238E27FC236}">
-                <a16:creationId xmlns:a16="http://schemas.microsoft.com/office/drawing/2014/main" id="{85DF0F99-B6D3-41BD-B2F8-E7DDB3DA33EE}"/>
-              </a:ext>
-            </a:extLst>
-          </p:cNvPr>
-          <p:cNvGrpSpPr/>
-          <p:nvPr/>
-        </p:nvGrpSpPr>
-        <p:grpSpPr>
-          <a:xfrm>
-            <a:off x="-184558" y="5754848"/>
-            <a:ext cx="10763075" cy="1191236"/>
-            <a:chOff x="-184558" y="5754848"/>
-            <a:chExt cx="10763075" cy="1191236"/>
-          </a:xfrm>
-        </p:grpSpPr>
-        <p:sp>
-          <p:nvSpPr>
-            <p:cNvPr id="6" name="Rectangle: Rounded Corners 5">
-              <a:extLst>
-                <a:ext uri="{FF2B5EF4-FFF2-40B4-BE49-F238E27FC236}">
-                  <a16:creationId xmlns:a16="http://schemas.microsoft.com/office/drawing/2014/main" id="{D774C259-7130-4F13-9426-46A2BFB09766}"/>
-                </a:ext>
-              </a:extLst>
-            </p:cNvPr>
-            <p:cNvSpPr/>
-            <p:nvPr/>
-          </p:nvSpPr>
-          <p:spPr>
-            <a:xfrm>
-              <a:off x="-184558" y="5754848"/>
-              <a:ext cx="10763075" cy="1191236"/>
-            </a:xfrm>
-            <a:prstGeom prst="roundRect">
-              <a:avLst/>
-            </a:prstGeom>
-            <a:solidFill>
-              <a:schemeClr val="accent1">
-                <a:lumMod val="75000"/>
-              </a:schemeClr>
-            </a:solidFill>
-          </p:spPr>
-          <p:style>
-            <a:lnRef idx="2">
-              <a:schemeClr val="accent1">
-                <a:shade val="50000"/>
-              </a:schemeClr>
-            </a:lnRef>
-            <a:fillRef idx="1">
-              <a:schemeClr val="accent1"/>
-            </a:fillRef>
-            <a:effectRef idx="0">
-              <a:schemeClr val="accent1"/>
-            </a:effectRef>
-            <a:fontRef idx="minor">
-              <a:schemeClr val="lt1"/>
-            </a:fontRef>
-          </p:style>
-          <p:txBody>
-            <a:bodyPr rtlCol="0" anchor="ctr"/>
-            <a:lstStyle/>
-            <a:p>
-              <a:pPr algn="ctr"/>
-              <a:endParaRPr lang="en-SG"/>
-            </a:p>
-          </p:txBody>
-        </p:sp>
-        <p:sp>
-          <p:nvSpPr>
-            <p:cNvPr id="7" name="TextBox 6">
-              <a:extLst>
-                <a:ext uri="{FF2B5EF4-FFF2-40B4-BE49-F238E27FC236}">
-                  <a16:creationId xmlns:a16="http://schemas.microsoft.com/office/drawing/2014/main" id="{0E346DCA-86F8-4009-A47D-457AB47EC234}"/>
-                </a:ext>
-              </a:extLst>
-            </p:cNvPr>
-            <p:cNvSpPr txBox="1"/>
-            <p:nvPr/>
-          </p:nvSpPr>
-          <p:spPr>
-            <a:xfrm>
-              <a:off x="323850" y="5754848"/>
-              <a:ext cx="8934275" cy="769441"/>
-            </a:xfrm>
-            <a:prstGeom prst="rect">
-              <a:avLst/>
-            </a:prstGeom>
-            <a:noFill/>
-          </p:spPr>
-          <p:txBody>
-            <a:bodyPr wrap="square" rtlCol="0">
-              <a:spAutoFit/>
-            </a:bodyPr>
-            <a:lstStyle/>
-            <a:p>
-              <a:r>
-                <a:rPr lang="en-US" sz="4400" dirty="0">
-                  <a:solidFill>
-                    <a:schemeClr val="bg1"/>
-                  </a:solidFill>
-                  <a:latin typeface="Trebuchet MS" panose="020B0603020202020204" pitchFamily="34" charset="0"/>
-                </a:rPr>
-                <a:t>U Net</a:t>
-              </a:r>
-            </a:p>
-          </p:txBody>
-        </p:sp>
-      </p:grpSp>
-    </p:spTree>
-    <p:extLst>
-      <p:ext uri="{BB962C8B-B14F-4D97-AF65-F5344CB8AC3E}">
-        <p14:creationId xmlns:p14="http://schemas.microsoft.com/office/powerpoint/2010/main" val="2160445923"/>
-      </p:ext>
-    </p:extLst>
-  </p:cSld>
-  <p:clrMapOvr>
-    <a:masterClrMapping/>
-  </p:clrMapOvr>
-</p:sld>
-</file>
-
 <file path=ppt/slides/slide2.xml><?xml version="1.0" encoding="utf-8"?>
 <p:sld xmlns:a="http://schemas.openxmlformats.org/drawingml/2006/main" xmlns:r="http://schemas.openxmlformats.org/officeDocument/2006/relationships" xmlns:p="http://schemas.openxmlformats.org/presentationml/2006/main">
   <p:cSld>
@@ -5267,8 +5185,23 @@
                   </a:solidFill>
                   <a:latin typeface="Trebuchet MS" panose="020B0603020202020204" pitchFamily="34" charset="0"/>
                 </a:rPr>
-                <a:t>CNN Architectures</a:t>
+                <a:t>Simple CNN with </a:t>
               </a:r>
+              <a:r>
+                <a:rPr lang="en-US" sz="4400" dirty="0" err="1">
+                  <a:solidFill>
+                    <a:schemeClr val="bg1"/>
+                  </a:solidFill>
+                  <a:latin typeface="Trebuchet MS" panose="020B0603020202020204" pitchFamily="34" charset="0"/>
+                </a:rPr>
+                <a:t>Deconv</a:t>
+              </a:r>
+              <a:endParaRPr lang="en-US" sz="4400" dirty="0">
+                <a:solidFill>
+                  <a:schemeClr val="bg1"/>
+                </a:solidFill>
+                <a:latin typeface="Trebuchet MS" panose="020B0603020202020204" pitchFamily="34" charset="0"/>
+              </a:endParaRPr>
             </a:p>
           </p:txBody>
         </p:sp>
